--- a/model/LCOVID_model_prototype.pptx
+++ b/model/LCOVID_model_prototype.pptx
@@ -6791,9 +6791,9 @@
           <p:nvPr/>
         </p:nvCxnSpPr>
         <p:spPr>
-          <a:xfrm>
-            <a:off x="7674790" y="3157917"/>
-            <a:ext cx="2398033" cy="0"/>
+          <a:xfrm flipV="1">
+            <a:off x="8604068" y="3165049"/>
+            <a:ext cx="1468754" cy="347817"/>
           </a:xfrm>
           <a:prstGeom prst="straightConnector1">
             <a:avLst/>
@@ -7358,6 +7358,44 @@
           <a:ln>
             <a:prstDash val="dash"/>
           </a:ln>
+        </p:spPr>
+        <p:style>
+          <a:lnRef idx="1">
+            <a:schemeClr val="accent1"/>
+          </a:lnRef>
+          <a:fillRef idx="0">
+            <a:schemeClr val="accent1"/>
+          </a:fillRef>
+          <a:effectRef idx="0">
+            <a:schemeClr val="accent1"/>
+          </a:effectRef>
+          <a:fontRef idx="minor">
+            <a:schemeClr val="tx1"/>
+          </a:fontRef>
+        </p:style>
+      </p:cxnSp>
+      <p:cxnSp>
+        <p:nvCxnSpPr>
+          <p:cNvPr id="7" name="Straight Connector 6">
+            <a:extLst>
+              <a:ext uri="{FF2B5EF4-FFF2-40B4-BE49-F238E27FC236}">
+                <a16:creationId xmlns:a16="http://schemas.microsoft.com/office/drawing/2014/main" id="{EF96D73F-ADD1-02AA-B911-9E909F72E373}"/>
+              </a:ext>
+            </a:extLst>
+          </p:cNvPr>
+          <p:cNvCxnSpPr>
+            <a:cxnSpLocks/>
+          </p:cNvCxnSpPr>
+          <p:nvPr/>
+        </p:nvCxnSpPr>
+        <p:spPr>
+          <a:xfrm>
+            <a:off x="7680790" y="3148405"/>
+            <a:ext cx="923279" cy="357329"/>
+          </a:xfrm>
+          <a:prstGeom prst="line">
+            <a:avLst/>
+          </a:prstGeom>
         </p:spPr>
         <p:style>
           <a:lnRef idx="1">

--- a/model/LCOVID_model_prototype.pptx
+++ b/model/LCOVID_model_prototype.pptx
@@ -5,13 +5,15 @@
     <p:sldMasterId id="2147483648" r:id="rId1"/>
   </p:sldMasterIdLst>
   <p:notesMasterIdLst>
-    <p:notesMasterId r:id="rId6"/>
+    <p:notesMasterId r:id="rId8"/>
   </p:notesMasterIdLst>
   <p:sldIdLst>
     <p:sldId id="277" r:id="rId2"/>
     <p:sldId id="272" r:id="rId3"/>
     <p:sldId id="276" r:id="rId4"/>
     <p:sldId id="278" r:id="rId5"/>
+    <p:sldId id="279" r:id="rId6"/>
+    <p:sldId id="280" r:id="rId7"/>
   </p:sldIdLst>
   <p:sldSz cx="12192000" cy="6858000"/>
   <p:notesSz cx="6858000" cy="9144000"/>
@@ -6320,8 +6322,8 @@
         </p:nvSpPr>
         <p:spPr>
           <a:xfrm>
-            <a:off x="1821269" y="5739632"/>
-            <a:ext cx="4116833" cy="230832"/>
+            <a:off x="1821269" y="5872864"/>
+            <a:ext cx="6301597" cy="307777"/>
           </a:xfrm>
           <a:prstGeom prst="rect">
             <a:avLst/>
@@ -6335,7 +6337,7 @@
           <a:lstStyle/>
           <a:p>
             <a:r>
-              <a:rPr lang="en-GB" sz="900" baseline="30000" dirty="0">
+              <a:rPr lang="en-GB" sz="1400" baseline="30000" dirty="0">
                 <a:latin typeface="Calibri" panose="020F0502020204030204" pitchFamily="34" charset="0"/>
                 <a:ea typeface="Calibri" panose="020F0502020204030204" pitchFamily="34" charset="0"/>
                 <a:cs typeface="Times New Roman" panose="02020603050405020304" pitchFamily="18" charset="0"/>
@@ -6343,12 +6345,12 @@
               <a:t>1 </a:t>
             </a:r>
             <a:r>
-              <a:rPr lang="en-US" sz="900" dirty="0">
+              <a:rPr lang="en-US" sz="1400" dirty="0">
                 <a:hlinkClick r:id="rId5"/>
               </a:rPr>
               <a:t>COVID-19 rapid guideline: managing the long-term effects of COVID-19. NICE 2022 </a:t>
             </a:r>
-            <a:endParaRPr lang="en-NL" sz="900" dirty="0"/>
+            <a:endParaRPr lang="en-NL" sz="1400" dirty="0"/>
           </a:p>
         </p:txBody>
       </p:sp>
@@ -9253,13 +9255,13 @@
           <a:lstStyle/>
           <a:p>
             <a:r>
-              <a:rPr lang="en-GB" sz="1200"/>
+              <a:rPr lang="en-GB" sz="1200" dirty="0"/>
               <a:t>*The probability of dying will vary according to the age category described in slide 5</a:t>
             </a:r>
           </a:p>
           <a:p>
             <a:r>
-              <a:rPr lang="en-GB" sz="1200"/>
+              <a:rPr lang="en-GB" sz="1200" dirty="0"/>
               <a:t>   Transition probabilities will also be adjusted according to the ORs described in slide 6</a:t>
             </a:r>
             <a:endParaRPr lang="en-NL" sz="1200" dirty="0"/>
@@ -9341,7 +9343,7 @@
             <p:ph idx="1"/>
             <p:extLst>
               <p:ext uri="{D42A27DB-BD31-4B8C-83A1-F6EECF244321}">
-                <p14:modId xmlns:p14="http://schemas.microsoft.com/office/powerpoint/2010/main" val="1756445208"/>
+                <p14:modId xmlns:p14="http://schemas.microsoft.com/office/powerpoint/2010/main" val="2790604503"/>
               </p:ext>
             </p:extLst>
           </p:nvPr>
@@ -9510,6 +9512,16 @@
                         </a:rPr>
                         <a:t>weights</a:t>
                       </a:r>
+                      <a:r>
+                        <a:rPr lang="en-GB" sz="2400" b="0" i="0" u="none" strike="noStrike" baseline="30000" noProof="0" dirty="0">
+                          <a:solidFill>
+                            <a:srgbClr val="000000"/>
+                          </a:solidFill>
+                          <a:effectLst/>
+                          <a:latin typeface="Calibri" panose="020F0502020204030204" pitchFamily="34" charset="0"/>
+                        </a:rPr>
+                        <a:t>2</a:t>
+                      </a:r>
                     </a:p>
                   </a:txBody>
                   <a:tcPr marL="7620" marR="7620" marT="7620" marB="0" anchor="b"/>
@@ -9596,6 +9608,69 @@
                     <a:lstStyle/>
                     <a:p>
                       <a:pPr algn="r" fontAlgn="b"/>
+                      <a:r>
+                        <a:rPr lang="en-GB" sz="2400" b="0" i="0" u="none" strike="noStrike" dirty="0">
+                          <a:solidFill>
+                            <a:srgbClr val="000000"/>
+                          </a:solidFill>
+                          <a:effectLst/>
+                          <a:latin typeface="Calibri" panose="020F0502020204030204" pitchFamily="34" charset="0"/>
+                        </a:rPr>
+                        <a:t>0</a:t>
+                      </a:r>
+                      <a:endParaRPr lang="en-NL" sz="2400" b="0" i="0" u="none" strike="noStrike" dirty="0">
+                        <a:solidFill>
+                          <a:srgbClr val="000000"/>
+                        </a:solidFill>
+                        <a:effectLst/>
+                        <a:latin typeface="Calibri" panose="020F0502020204030204" pitchFamily="34" charset="0"/>
+                      </a:endParaRPr>
+                    </a:p>
+                  </a:txBody>
+                  <a:tcPr marL="7620" marR="7620" marT="7620" marB="0" anchor="b"/>
+                </a:tc>
+                <a:extLst>
+                  <a:ext uri="{0D108BD9-81ED-4DB2-BD59-A6C34878D82A}">
+                    <a16:rowId xmlns:a16="http://schemas.microsoft.com/office/drawing/2014/main" val="357895352"/>
+                  </a:ext>
+                </a:extLst>
+              </a:tr>
+              <a:tr h="362593">
+                <a:tc>
+                  <a:txBody>
+                    <a:bodyPr/>
+                    <a:lstStyle/>
+                    <a:p>
+                      <a:pPr algn="l" fontAlgn="b"/>
+                      <a:r>
+                        <a:rPr lang="pt-BR" sz="2400" u="none" strike="noStrike">
+                          <a:effectLst/>
+                        </a:rPr>
+                        <a:t>  mild.mod_COV                   </a:t>
+                      </a:r>
+                      <a:endParaRPr lang="pt-BR" sz="2400" b="0" i="0" u="none" strike="noStrike">
+                        <a:solidFill>
+                          <a:srgbClr val="000000"/>
+                        </a:solidFill>
+                        <a:effectLst/>
+                        <a:latin typeface="Calibri" panose="020F0502020204030204" pitchFamily="34" charset="0"/>
+                      </a:endParaRPr>
+                    </a:p>
+                  </a:txBody>
+                  <a:tcPr marL="7620" marR="7620" marT="7620" marB="0" anchor="b"/>
+                </a:tc>
+                <a:tc>
+                  <a:txBody>
+                    <a:bodyPr/>
+                    <a:lstStyle/>
+                    <a:p>
+                      <a:pPr algn="r" fontAlgn="b"/>
+                      <a:r>
+                        <a:rPr lang="en-NL" sz="2400" u="none" strike="noStrike">
+                          <a:effectLst/>
+                        </a:rPr>
+                        <a:t>800</a:t>
+                      </a:r>
                       <a:endParaRPr lang="en-NL" sz="2400" b="0" i="0" u="none" strike="noStrike">
                         <a:solidFill>
                           <a:srgbClr val="000000"/>
@@ -9607,9 +9682,59 @@
                   </a:txBody>
                   <a:tcPr marL="7620" marR="7620" marT="7620" marB="0" anchor="b"/>
                 </a:tc>
+                <a:tc>
+                  <a:txBody>
+                    <a:bodyPr/>
+                    <a:lstStyle/>
+                    <a:p>
+                      <a:pPr algn="r" fontAlgn="b"/>
+                      <a:r>
+                        <a:rPr lang="en-NL" sz="2400" u="none" strike="noStrike" dirty="0">
+                          <a:effectLst/>
+                        </a:rPr>
+                        <a:t>0.65</a:t>
+                      </a:r>
+                      <a:endParaRPr lang="en-NL" sz="2400" b="0" i="0" u="none" strike="noStrike" dirty="0">
+                        <a:solidFill>
+                          <a:srgbClr val="000000"/>
+                        </a:solidFill>
+                        <a:effectLst/>
+                        <a:latin typeface="Calibri" panose="020F0502020204030204" pitchFamily="34" charset="0"/>
+                      </a:endParaRPr>
+                    </a:p>
+                  </a:txBody>
+                  <a:tcPr marL="7620" marR="7620" marT="7620" marB="0" anchor="b"/>
+                </a:tc>
+                <a:tc>
+                  <a:txBody>
+                    <a:bodyPr/>
+                    <a:lstStyle/>
+                    <a:p>
+                      <a:pPr algn="r" fontAlgn="b"/>
+                      <a:r>
+                        <a:rPr lang="en-GB" sz="2400" b="0" i="0" u="none" strike="noStrike" dirty="0">
+                          <a:solidFill>
+                            <a:srgbClr val="000000"/>
+                          </a:solidFill>
+                          <a:effectLst/>
+                          <a:latin typeface="Calibri" panose="020F0502020204030204" pitchFamily="34" charset="0"/>
+                        </a:rPr>
+                        <a:t>0.051</a:t>
+                      </a:r>
+                      <a:endParaRPr lang="en-NL" sz="2400" b="0" i="0" u="none" strike="noStrike" dirty="0">
+                        <a:solidFill>
+                          <a:srgbClr val="000000"/>
+                        </a:solidFill>
+                        <a:effectLst/>
+                        <a:latin typeface="Calibri" panose="020F0502020204030204" pitchFamily="34" charset="0"/>
+                      </a:endParaRPr>
+                    </a:p>
+                  </a:txBody>
+                  <a:tcPr marL="7620" marR="7620" marT="7620" marB="0" anchor="b"/>
+                </a:tc>
                 <a:extLst>
                   <a:ext uri="{0D108BD9-81ED-4DB2-BD59-A6C34878D82A}">
-                    <a16:rowId xmlns:a16="http://schemas.microsoft.com/office/drawing/2014/main" val="357895352"/>
+                    <a16:rowId xmlns:a16="http://schemas.microsoft.com/office/drawing/2014/main" val="1018502489"/>
                   </a:ext>
                 </a:extLst>
               </a:tr>
@@ -9624,7 +9749,7 @@
                         <a:rPr lang="pt-BR" sz="2400" u="none" strike="noStrike">
                           <a:effectLst/>
                         </a:rPr>
-                        <a:t>  mild.mod_COV                   </a:t>
+                        <a:t>  sev_COV                      </a:t>
                       </a:r>
                       <a:endParaRPr lang="pt-BR" sz="2400" b="0" i="0" u="none" strike="noStrike">
                         <a:solidFill>
@@ -9644,10 +9769,33 @@
                     <a:p>
                       <a:pPr algn="r" fontAlgn="b"/>
                       <a:r>
+                        <a:rPr lang="en-NL" sz="2400" u="none" strike="noStrike" dirty="0">
+                          <a:effectLst/>
+                        </a:rPr>
+                        <a:t>1500</a:t>
+                      </a:r>
+                      <a:endParaRPr lang="en-NL" sz="2400" b="0" i="0" u="none" strike="noStrike" dirty="0">
+                        <a:solidFill>
+                          <a:srgbClr val="000000"/>
+                        </a:solidFill>
+                        <a:effectLst/>
+                        <a:latin typeface="Calibri" panose="020F0502020204030204" pitchFamily="34" charset="0"/>
+                      </a:endParaRPr>
+                    </a:p>
+                  </a:txBody>
+                  <a:tcPr marL="7620" marR="7620" marT="7620" marB="0" anchor="b"/>
+                </a:tc>
+                <a:tc>
+                  <a:txBody>
+                    <a:bodyPr/>
+                    <a:lstStyle/>
+                    <a:p>
+                      <a:pPr algn="r" fontAlgn="b"/>
+                      <a:r>
                         <a:rPr lang="en-NL" sz="2400" u="none" strike="noStrike">
                           <a:effectLst/>
                         </a:rPr>
-                        <a:t>800</a:t>
+                        <a:t>0.45</a:t>
                       </a:r>
                       <a:endParaRPr lang="en-NL" sz="2400" b="0" i="0" u="none" strike="noStrike">
                         <a:solidFill>
@@ -9667,10 +9815,14 @@
                     <a:p>
                       <a:pPr algn="r" fontAlgn="b"/>
                       <a:r>
-                        <a:rPr lang="en-NL" sz="2400" u="none" strike="noStrike" dirty="0">
-                          <a:effectLst/>
-                        </a:rPr>
-                        <a:t>0.65</a:t>
+                        <a:rPr lang="en-GB" sz="2400" b="0" i="0" u="none" strike="noStrike" dirty="0">
+                          <a:solidFill>
+                            <a:srgbClr val="000000"/>
+                          </a:solidFill>
+                          <a:effectLst/>
+                          <a:latin typeface="Calibri" panose="020F0502020204030204" pitchFamily="34" charset="0"/>
+                        </a:rPr>
+                        <a:t>0.133</a:t>
                       </a:r>
                       <a:endParaRPr lang="en-NL" sz="2400" b="0" i="0" u="none" strike="noStrike" dirty="0">
                         <a:solidFill>
@@ -9683,12 +9835,98 @@
                   </a:txBody>
                   <a:tcPr marL="7620" marR="7620" marT="7620" marB="0" anchor="b"/>
                 </a:tc>
+                <a:extLst>
+                  <a:ext uri="{0D108BD9-81ED-4DB2-BD59-A6C34878D82A}">
+                    <a16:rowId xmlns:a16="http://schemas.microsoft.com/office/drawing/2014/main" val="3567443684"/>
+                  </a:ext>
+                </a:extLst>
+              </a:tr>
+              <a:tr h="362593">
+                <a:tc>
+                  <a:txBody>
+                    <a:bodyPr/>
+                    <a:lstStyle/>
+                    <a:p>
+                      <a:pPr algn="l" fontAlgn="b"/>
+                      <a:r>
+                        <a:rPr lang="pt-BR" sz="2400" u="none" strike="noStrike">
+                          <a:effectLst/>
+                        </a:rPr>
+                        <a:t>  crit_COV                      </a:t>
+                      </a:r>
+                      <a:endParaRPr lang="pt-BR" sz="2400" b="0" i="0" u="none" strike="noStrike">
+                        <a:solidFill>
+                          <a:srgbClr val="000000"/>
+                        </a:solidFill>
+                        <a:effectLst/>
+                        <a:latin typeface="Calibri" panose="020F0502020204030204" pitchFamily="34" charset="0"/>
+                      </a:endParaRPr>
+                    </a:p>
+                  </a:txBody>
+                  <a:tcPr marL="7620" marR="7620" marT="7620" marB="0" anchor="b"/>
+                </a:tc>
                 <a:tc>
                   <a:txBody>
                     <a:bodyPr/>
                     <a:lstStyle/>
                     <a:p>
                       <a:pPr algn="r" fontAlgn="b"/>
+                      <a:r>
+                        <a:rPr lang="en-NL" sz="2400" u="none" strike="noStrike">
+                          <a:effectLst/>
+                        </a:rPr>
+                        <a:t>3000</a:t>
+                      </a:r>
+                      <a:endParaRPr lang="en-NL" sz="2400" b="0" i="0" u="none" strike="noStrike">
+                        <a:solidFill>
+                          <a:srgbClr val="000000"/>
+                        </a:solidFill>
+                        <a:effectLst/>
+                        <a:latin typeface="Calibri" panose="020F0502020204030204" pitchFamily="34" charset="0"/>
+                      </a:endParaRPr>
+                    </a:p>
+                  </a:txBody>
+                  <a:tcPr marL="7620" marR="7620" marT="7620" marB="0" anchor="b"/>
+                </a:tc>
+                <a:tc>
+                  <a:txBody>
+                    <a:bodyPr/>
+                    <a:lstStyle/>
+                    <a:p>
+                      <a:pPr algn="r" fontAlgn="b"/>
+                      <a:r>
+                        <a:rPr lang="en-NL" sz="2400" u="none" strike="noStrike">
+                          <a:effectLst/>
+                        </a:rPr>
+                        <a:t>0.1</a:t>
+                      </a:r>
+                      <a:endParaRPr lang="en-NL" sz="2400" b="0" i="0" u="none" strike="noStrike">
+                        <a:solidFill>
+                          <a:srgbClr val="000000"/>
+                        </a:solidFill>
+                        <a:effectLst/>
+                        <a:latin typeface="Calibri" panose="020F0502020204030204" pitchFamily="34" charset="0"/>
+                      </a:endParaRPr>
+                    </a:p>
+                  </a:txBody>
+                  <a:tcPr marL="7620" marR="7620" marT="7620" marB="0" anchor="b"/>
+                </a:tc>
+                <a:tc>
+                  <a:txBody>
+                    <a:bodyPr/>
+                    <a:lstStyle/>
+                    <a:p>
+                      <a:pPr algn="r" fontAlgn="b"/>
+                      <a:r>
+                        <a:rPr lang="en-GB" sz="2400" b="0" i="0" u="none" strike="noStrike" dirty="0">
+                          <a:solidFill>
+                            <a:srgbClr val="000000"/>
+                          </a:solidFill>
+                          <a:effectLst/>
+                          <a:latin typeface="Calibri" panose="020F0502020204030204" pitchFamily="34" charset="0"/>
+                        </a:rPr>
+                        <a:t>0.655</a:t>
+                      </a:r>
                       <a:endParaRPr lang="en-NL" sz="2400" b="0" i="0" u="none" strike="noStrike" dirty="0">
                         <a:solidFill>
                           <a:srgbClr val="000000"/>
@@ -9702,7 +9940,7 @@
                 </a:tc>
                 <a:extLst>
                   <a:ext uri="{0D108BD9-81ED-4DB2-BD59-A6C34878D82A}">
-                    <a16:rowId xmlns:a16="http://schemas.microsoft.com/office/drawing/2014/main" val="1018502489"/>
+                    <a16:rowId xmlns:a16="http://schemas.microsoft.com/office/drawing/2014/main" val="4140457469"/>
                   </a:ext>
                 </a:extLst>
               </a:tr>
@@ -9717,7 +9955,7 @@
                         <a:rPr lang="pt-BR" sz="2400" u="none" strike="noStrike">
                           <a:effectLst/>
                         </a:rPr>
-                        <a:t>  sev_COV                      </a:t>
+                        <a:t>  mild_LCOV                        </a:t>
                       </a:r>
                       <a:endParaRPr lang="pt-BR" sz="2400" b="0" i="0" u="none" strike="noStrike">
                         <a:solidFill>
@@ -9737,33 +9975,10 @@
                     <a:p>
                       <a:pPr algn="r" fontAlgn="b"/>
                       <a:r>
-                        <a:rPr lang="en-NL" sz="2400" u="none" strike="noStrike" dirty="0">
-                          <a:effectLst/>
-                        </a:rPr>
-                        <a:t>1500</a:t>
-                      </a:r>
-                      <a:endParaRPr lang="en-NL" sz="2400" b="0" i="0" u="none" strike="noStrike" dirty="0">
-                        <a:solidFill>
-                          <a:srgbClr val="000000"/>
-                        </a:solidFill>
-                        <a:effectLst/>
-                        <a:latin typeface="Calibri" panose="020F0502020204030204" pitchFamily="34" charset="0"/>
-                      </a:endParaRPr>
-                    </a:p>
-                  </a:txBody>
-                  <a:tcPr marL="7620" marR="7620" marT="7620" marB="0" anchor="b"/>
-                </a:tc>
-                <a:tc>
-                  <a:txBody>
-                    <a:bodyPr/>
-                    <a:lstStyle/>
-                    <a:p>
-                      <a:pPr algn="r" fontAlgn="b"/>
-                      <a:r>
                         <a:rPr lang="en-NL" sz="2400" u="none" strike="noStrike">
                           <a:effectLst/>
                         </a:rPr>
-                        <a:t>0.45</a:t>
+                        <a:t>800</a:t>
                       </a:r>
                       <a:endParaRPr lang="en-NL" sz="2400" b="0" i="0" u="none" strike="noStrike">
                         <a:solidFill>
@@ -9782,6 +9997,12 @@
                     <a:lstStyle/>
                     <a:p>
                       <a:pPr algn="r" fontAlgn="b"/>
+                      <a:r>
+                        <a:rPr lang="en-NL" sz="2400" u="none" strike="noStrike">
+                          <a:effectLst/>
+                        </a:rPr>
+                        <a:t>0.65</a:t>
+                      </a:r>
                       <a:endParaRPr lang="en-NL" sz="2400" b="0" i="0" u="none" strike="noStrike">
                         <a:solidFill>
                           <a:srgbClr val="000000"/>
@@ -9793,36 +10014,6 @@
                   </a:txBody>
                   <a:tcPr marL="7620" marR="7620" marT="7620" marB="0" anchor="b"/>
                 </a:tc>
-                <a:extLst>
-                  <a:ext uri="{0D108BD9-81ED-4DB2-BD59-A6C34878D82A}">
-                    <a16:rowId xmlns:a16="http://schemas.microsoft.com/office/drawing/2014/main" val="3567443684"/>
-                  </a:ext>
-                </a:extLst>
-              </a:tr>
-              <a:tr h="362593">
-                <a:tc>
-                  <a:txBody>
-                    <a:bodyPr/>
-                    <a:lstStyle/>
-                    <a:p>
-                      <a:pPr algn="l" fontAlgn="b"/>
-                      <a:r>
-                        <a:rPr lang="pt-BR" sz="2400" u="none" strike="noStrike">
-                          <a:effectLst/>
-                        </a:rPr>
-                        <a:t>  crit_COV                      </a:t>
-                      </a:r>
-                      <a:endParaRPr lang="pt-BR" sz="2400" b="0" i="0" u="none" strike="noStrike">
-                        <a:solidFill>
-                          <a:srgbClr val="000000"/>
-                        </a:solidFill>
-                        <a:effectLst/>
-                        <a:latin typeface="Calibri" panose="020F0502020204030204" pitchFamily="34" charset="0"/>
-                      </a:endParaRPr>
-                    </a:p>
-                  </a:txBody>
-                  <a:tcPr marL="7620" marR="7620" marT="7620" marB="0" anchor="b"/>
-                </a:tc>
                 <a:tc>
                   <a:txBody>
                     <a:bodyPr/>
@@ -9830,145 +10021,16 @@
                     <a:p>
                       <a:pPr algn="r" fontAlgn="b"/>
                       <a:r>
-                        <a:rPr lang="en-NL" sz="2400" u="none" strike="noStrike">
-                          <a:effectLst/>
-                        </a:rPr>
-                        <a:t>3000</a:t>
-                      </a:r>
-                      <a:endParaRPr lang="en-NL" sz="2400" b="0" i="0" u="none" strike="noStrike">
-                        <a:solidFill>
-                          <a:srgbClr val="000000"/>
-                        </a:solidFill>
-                        <a:effectLst/>
-                        <a:latin typeface="Calibri" panose="020F0502020204030204" pitchFamily="34" charset="0"/>
-                      </a:endParaRPr>
-                    </a:p>
-                  </a:txBody>
-                  <a:tcPr marL="7620" marR="7620" marT="7620" marB="0" anchor="b"/>
-                </a:tc>
-                <a:tc>
-                  <a:txBody>
-                    <a:bodyPr/>
-                    <a:lstStyle/>
-                    <a:p>
-                      <a:pPr algn="r" fontAlgn="b"/>
-                      <a:r>
-                        <a:rPr lang="en-NL" sz="2400" u="none" strike="noStrike">
-                          <a:effectLst/>
-                        </a:rPr>
-                        <a:t>0.1</a:t>
-                      </a:r>
-                      <a:endParaRPr lang="en-NL" sz="2400" b="0" i="0" u="none" strike="noStrike">
-                        <a:solidFill>
-                          <a:srgbClr val="000000"/>
-                        </a:solidFill>
-                        <a:effectLst/>
-                        <a:latin typeface="Calibri" panose="020F0502020204030204" pitchFamily="34" charset="0"/>
-                      </a:endParaRPr>
-                    </a:p>
-                  </a:txBody>
-                  <a:tcPr marL="7620" marR="7620" marT="7620" marB="0" anchor="b"/>
-                </a:tc>
-                <a:tc>
-                  <a:txBody>
-                    <a:bodyPr/>
-                    <a:lstStyle/>
-                    <a:p>
-                      <a:pPr algn="r" fontAlgn="b"/>
-                      <a:endParaRPr lang="en-NL" sz="2400" b="0" i="0" u="none" strike="noStrike">
-                        <a:solidFill>
-                          <a:srgbClr val="000000"/>
-                        </a:solidFill>
-                        <a:effectLst/>
-                        <a:latin typeface="Calibri" panose="020F0502020204030204" pitchFamily="34" charset="0"/>
-                      </a:endParaRPr>
-                    </a:p>
-                  </a:txBody>
-                  <a:tcPr marL="7620" marR="7620" marT="7620" marB="0" anchor="b"/>
-                </a:tc>
-                <a:extLst>
-                  <a:ext uri="{0D108BD9-81ED-4DB2-BD59-A6C34878D82A}">
-                    <a16:rowId xmlns:a16="http://schemas.microsoft.com/office/drawing/2014/main" val="4140457469"/>
-                  </a:ext>
-                </a:extLst>
-              </a:tr>
-              <a:tr h="362593">
-                <a:tc>
-                  <a:txBody>
-                    <a:bodyPr/>
-                    <a:lstStyle/>
-                    <a:p>
-                      <a:pPr algn="l" fontAlgn="b"/>
-                      <a:r>
-                        <a:rPr lang="pt-BR" sz="2400" u="none" strike="noStrike">
-                          <a:effectLst/>
-                        </a:rPr>
-                        <a:t>  mild_LCOV                        </a:t>
-                      </a:r>
-                      <a:endParaRPr lang="pt-BR" sz="2400" b="0" i="0" u="none" strike="noStrike">
-                        <a:solidFill>
-                          <a:srgbClr val="000000"/>
-                        </a:solidFill>
-                        <a:effectLst/>
-                        <a:latin typeface="Calibri" panose="020F0502020204030204" pitchFamily="34" charset="0"/>
-                      </a:endParaRPr>
-                    </a:p>
-                  </a:txBody>
-                  <a:tcPr marL="7620" marR="7620" marT="7620" marB="0" anchor="b"/>
-                </a:tc>
-                <a:tc>
-                  <a:txBody>
-                    <a:bodyPr/>
-                    <a:lstStyle/>
-                    <a:p>
-                      <a:pPr algn="r" fontAlgn="b"/>
-                      <a:r>
-                        <a:rPr lang="en-NL" sz="2400" u="none" strike="noStrike">
-                          <a:effectLst/>
-                        </a:rPr>
-                        <a:t>800</a:t>
-                      </a:r>
-                      <a:endParaRPr lang="en-NL" sz="2400" b="0" i="0" u="none" strike="noStrike">
-                        <a:solidFill>
-                          <a:srgbClr val="000000"/>
-                        </a:solidFill>
-                        <a:effectLst/>
-                        <a:latin typeface="Calibri" panose="020F0502020204030204" pitchFamily="34" charset="0"/>
-                      </a:endParaRPr>
-                    </a:p>
-                  </a:txBody>
-                  <a:tcPr marL="7620" marR="7620" marT="7620" marB="0" anchor="b"/>
-                </a:tc>
-                <a:tc>
-                  <a:txBody>
-                    <a:bodyPr/>
-                    <a:lstStyle/>
-                    <a:p>
-                      <a:pPr algn="r" fontAlgn="b"/>
-                      <a:r>
-                        <a:rPr lang="en-NL" sz="2400" u="none" strike="noStrike">
-                          <a:effectLst/>
-                        </a:rPr>
-                        <a:t>0.65</a:t>
-                      </a:r>
-                      <a:endParaRPr lang="en-NL" sz="2400" b="0" i="0" u="none" strike="noStrike">
-                        <a:solidFill>
-                          <a:srgbClr val="000000"/>
-                        </a:solidFill>
-                        <a:effectLst/>
-                        <a:latin typeface="Calibri" panose="020F0502020204030204" pitchFamily="34" charset="0"/>
-                      </a:endParaRPr>
-                    </a:p>
-                  </a:txBody>
-                  <a:tcPr marL="7620" marR="7620" marT="7620" marB="0" anchor="b"/>
-                </a:tc>
-                <a:tc>
-                  <a:txBody>
-                    <a:bodyPr/>
-                    <a:lstStyle/>
-                    <a:p>
-                      <a:pPr algn="r" fontAlgn="b"/>
-                      <a:endParaRPr lang="en-NL" sz="2400" b="0" i="0" u="none" strike="noStrike">
+                        <a:rPr lang="en-GB" sz="2400" b="0" i="0" u="none" strike="noStrike" dirty="0">
+                          <a:solidFill>
+                            <a:srgbClr val="000000"/>
+                          </a:solidFill>
+                          <a:effectLst/>
+                          <a:latin typeface="Calibri" panose="020F0502020204030204" pitchFamily="34" charset="0"/>
+                        </a:rPr>
+                        <a:t>0.219</a:t>
+                      </a:r>
+                      <a:endParaRPr lang="en-NL" sz="2400" b="0" i="0" u="none" strike="noStrike" dirty="0">
                         <a:solidFill>
                           <a:srgbClr val="000000"/>
                         </a:solidFill>
@@ -10361,10 +10423,3259 @@
           </a:graphicData>
         </a:graphic>
       </p:graphicFrame>
+      <p:sp>
+        <p:nvSpPr>
+          <p:cNvPr id="5" name="TextBox 4">
+            <a:extLst>
+              <a:ext uri="{FF2B5EF4-FFF2-40B4-BE49-F238E27FC236}">
+                <a16:creationId xmlns:a16="http://schemas.microsoft.com/office/drawing/2014/main" id="{11B375AD-A06B-D8E1-C004-304626292B24}"/>
+              </a:ext>
+            </a:extLst>
+          </p:cNvPr>
+          <p:cNvSpPr txBox="1"/>
+          <p:nvPr/>
+        </p:nvSpPr>
+        <p:spPr>
+          <a:xfrm>
+            <a:off x="775062" y="6123543"/>
+            <a:ext cx="6096000" cy="369332"/>
+          </a:xfrm>
+          <a:prstGeom prst="rect">
+            <a:avLst/>
+          </a:prstGeom>
+          <a:noFill/>
+        </p:spPr>
+        <p:txBody>
+          <a:bodyPr wrap="square">
+            <a:spAutoFit/>
+          </a:bodyPr>
+          <a:lstStyle/>
+          <a:p>
+            <a:r>
+              <a:rPr lang="en-US" baseline="30000" dirty="0"/>
+              <a:t>2 </a:t>
+            </a:r>
+            <a:r>
+              <a:rPr lang="en-US" dirty="0">
+                <a:hlinkClick r:id="rId2"/>
+              </a:rPr>
+              <a:t>European Burden of Disease Network</a:t>
+            </a:r>
+            <a:endParaRPr lang="en-NL" dirty="0"/>
+          </a:p>
+        </p:txBody>
+      </p:sp>
     </p:spTree>
     <p:extLst>
       <p:ext uri="{BB962C8B-B14F-4D97-AF65-F5344CB8AC3E}">
         <p14:creationId xmlns:p14="http://schemas.microsoft.com/office/powerpoint/2010/main" val="3605523197"/>
+      </p:ext>
+    </p:extLst>
+  </p:cSld>
+  <p:clrMapOvr>
+    <a:masterClrMapping/>
+  </p:clrMapOvr>
+</p:sld>
+</file>
+
+<file path=ppt/slides/slide5.xml><?xml version="1.0" encoding="utf-8"?>
+<p:sld xmlns:a="http://schemas.openxmlformats.org/drawingml/2006/main" xmlns:r="http://schemas.openxmlformats.org/officeDocument/2006/relationships" xmlns:p="http://schemas.openxmlformats.org/presentationml/2006/main">
+  <p:cSld>
+    <p:spTree>
+      <p:nvGrpSpPr>
+        <p:cNvPr id="1" name=""/>
+        <p:cNvGrpSpPr/>
+        <p:nvPr/>
+      </p:nvGrpSpPr>
+      <p:grpSpPr>
+        <a:xfrm>
+          <a:off x="0" y="0"/>
+          <a:ext cx="0" cy="0"/>
+          <a:chOff x="0" y="0"/>
+          <a:chExt cx="0" cy="0"/>
+        </a:xfrm>
+      </p:grpSpPr>
+      <p:sp>
+        <p:nvSpPr>
+          <p:cNvPr id="2" name="Title 1">
+            <a:extLst>
+              <a:ext uri="{FF2B5EF4-FFF2-40B4-BE49-F238E27FC236}">
+                <a16:creationId xmlns:a16="http://schemas.microsoft.com/office/drawing/2014/main" id="{96E40514-2F80-7A62-18DA-1643ABCA867F}"/>
+              </a:ext>
+            </a:extLst>
+          </p:cNvPr>
+          <p:cNvSpPr>
+            <a:spLocks noGrp="1"/>
+          </p:cNvSpPr>
+          <p:nvPr>
+            <p:ph type="title"/>
+          </p:nvPr>
+        </p:nvSpPr>
+        <p:spPr>
+          <a:xfrm>
+            <a:off x="1314003" y="708878"/>
+            <a:ext cx="9555676" cy="1014984"/>
+          </a:xfrm>
+        </p:spPr>
+        <p:txBody>
+          <a:bodyPr anchor="b">
+            <a:noAutofit/>
+          </a:bodyPr>
+          <a:lstStyle/>
+          <a:p>
+            <a:r>
+              <a:rPr lang="en-GB" sz="3600" dirty="0"/>
+              <a:t>Probability of dying by age in Kenya (</a:t>
+            </a:r>
+            <a:r>
+              <a:rPr lang="en-GB" sz="3600" dirty="0">
+                <a:hlinkClick r:id="rId2"/>
+              </a:rPr>
+              <a:t>WHO 2019</a:t>
+            </a:r>
+            <a:r>
+              <a:rPr lang="en-GB" sz="3600" dirty="0"/>
+              <a:t>)</a:t>
+            </a:r>
+            <a:endParaRPr lang="en-NL" sz="3600" dirty="0"/>
+          </a:p>
+        </p:txBody>
+      </p:sp>
+      <p:graphicFrame>
+        <p:nvGraphicFramePr>
+          <p:cNvPr id="7" name="Content Placeholder 6">
+            <a:extLst>
+              <a:ext uri="{FF2B5EF4-FFF2-40B4-BE49-F238E27FC236}">
+                <a16:creationId xmlns:a16="http://schemas.microsoft.com/office/drawing/2014/main" id="{FCC144D9-541F-8777-ABCE-B13CDB2CEBCF}"/>
+              </a:ext>
+            </a:extLst>
+          </p:cNvPr>
+          <p:cNvGraphicFramePr>
+            <a:graphicFrameLocks noGrp="1"/>
+          </p:cNvGraphicFramePr>
+          <p:nvPr>
+            <p:ph idx="1"/>
+            <p:extLst>
+              <p:ext uri="{D42A27DB-BD31-4B8C-83A1-F6EECF244321}">
+                <p14:modId xmlns:p14="http://schemas.microsoft.com/office/powerpoint/2010/main" val="29665281"/>
+              </p:ext>
+            </p:extLst>
+          </p:nvPr>
+        </p:nvGraphicFramePr>
+        <p:xfrm>
+          <a:off x="1314003" y="1954274"/>
+          <a:ext cx="9563996" cy="4301520"/>
+        </p:xfrm>
+        <a:graphic>
+          <a:graphicData uri="http://schemas.openxmlformats.org/drawingml/2006/table">
+            <a:tbl>
+              <a:tblPr>
+                <a:tableStyleId>{5C22544A-7EE6-4342-B048-85BDC9FD1C3A}</a:tableStyleId>
+              </a:tblPr>
+              <a:tblGrid>
+                <a:gridCol w="4908736">
+                  <a:extLst>
+                    <a:ext uri="{9D8B030D-6E8A-4147-A177-3AD203B41FA5}">
+                      <a16:colId xmlns:a16="http://schemas.microsoft.com/office/drawing/2014/main" val="3143154651"/>
+                    </a:ext>
+                  </a:extLst>
+                </a:gridCol>
+                <a:gridCol w="1418230">
+                  <a:extLst>
+                    <a:ext uri="{9D8B030D-6E8A-4147-A177-3AD203B41FA5}">
+                      <a16:colId xmlns:a16="http://schemas.microsoft.com/office/drawing/2014/main" val="606680034"/>
+                    </a:ext>
+                  </a:extLst>
+                </a:gridCol>
+                <a:gridCol w="1079010">
+                  <a:extLst>
+                    <a:ext uri="{9D8B030D-6E8A-4147-A177-3AD203B41FA5}">
+                      <a16:colId xmlns:a16="http://schemas.microsoft.com/office/drawing/2014/main" val="3944991958"/>
+                    </a:ext>
+                  </a:extLst>
+                </a:gridCol>
+                <a:gridCol w="1079010">
+                  <a:extLst>
+                    <a:ext uri="{9D8B030D-6E8A-4147-A177-3AD203B41FA5}">
+                      <a16:colId xmlns:a16="http://schemas.microsoft.com/office/drawing/2014/main" val="3753678447"/>
+                    </a:ext>
+                  </a:extLst>
+                </a:gridCol>
+                <a:gridCol w="1079010">
+                  <a:extLst>
+                    <a:ext uri="{9D8B030D-6E8A-4147-A177-3AD203B41FA5}">
+                      <a16:colId xmlns:a16="http://schemas.microsoft.com/office/drawing/2014/main" val="3761552912"/>
+                    </a:ext>
+                  </a:extLst>
+                </a:gridCol>
+              </a:tblGrid>
+              <a:tr h="215076">
+                <a:tc>
+                  <a:txBody>
+                    <a:bodyPr/>
+                    <a:lstStyle/>
+                    <a:p>
+                      <a:pPr algn="l" fontAlgn="b"/>
+                      <a:r>
+                        <a:rPr lang="en-GB" sz="1100" b="1" i="0" u="none" strike="noStrike">
+                          <a:solidFill>
+                            <a:srgbClr val="000000"/>
+                          </a:solidFill>
+                          <a:effectLst/>
+                          <a:latin typeface="Calibri" panose="020F0502020204030204" pitchFamily="34" charset="0"/>
+                        </a:rPr>
+                        <a:t>Indicator</a:t>
+                      </a:r>
+                      <a:endParaRPr lang="en-NL" sz="1100" b="1" i="0" u="none" strike="noStrike" dirty="0">
+                        <a:solidFill>
+                          <a:srgbClr val="000000"/>
+                        </a:solidFill>
+                        <a:effectLst/>
+                        <a:latin typeface="Calibri" panose="020F0502020204030204" pitchFamily="34" charset="0"/>
+                      </a:endParaRPr>
+                    </a:p>
+                  </a:txBody>
+                  <a:tcPr marL="2000" marR="2000" marT="2000" marB="0" anchor="b"/>
+                </a:tc>
+                <a:tc>
+                  <a:txBody>
+                    <a:bodyPr/>
+                    <a:lstStyle/>
+                    <a:p>
+                      <a:pPr algn="l" fontAlgn="b"/>
+                      <a:r>
+                        <a:rPr lang="en-GB" sz="1100" b="1" i="0" u="none" strike="noStrike">
+                          <a:solidFill>
+                            <a:srgbClr val="000000"/>
+                          </a:solidFill>
+                          <a:effectLst/>
+                          <a:latin typeface="Calibri" panose="020F0502020204030204" pitchFamily="34" charset="0"/>
+                        </a:rPr>
+                        <a:t>Age category</a:t>
+                      </a:r>
+                      <a:endParaRPr lang="en-NL" sz="1100" b="1" i="0" u="none" strike="noStrike" dirty="0">
+                        <a:solidFill>
+                          <a:srgbClr val="000000"/>
+                        </a:solidFill>
+                        <a:effectLst/>
+                        <a:latin typeface="Calibri" panose="020F0502020204030204" pitchFamily="34" charset="0"/>
+                      </a:endParaRPr>
+                    </a:p>
+                  </a:txBody>
+                  <a:tcPr marL="2000" marR="2000" marT="2000" marB="0" anchor="b"/>
+                </a:tc>
+                <a:tc>
+                  <a:txBody>
+                    <a:bodyPr/>
+                    <a:lstStyle/>
+                    <a:p>
+                      <a:pPr algn="r" fontAlgn="b"/>
+                      <a:r>
+                        <a:rPr lang="en-GB" sz="1100" b="1" u="none" strike="noStrike" dirty="0">
+                          <a:effectLst/>
+                        </a:rPr>
+                        <a:t>Total</a:t>
+                      </a:r>
+                      <a:endParaRPr lang="en-NL" sz="1100" b="1" i="0" u="none" strike="noStrike" dirty="0">
+                        <a:solidFill>
+                          <a:srgbClr val="000000"/>
+                        </a:solidFill>
+                        <a:effectLst/>
+                        <a:latin typeface="Calibri" panose="020F0502020204030204" pitchFamily="34" charset="0"/>
+                      </a:endParaRPr>
+                    </a:p>
+                  </a:txBody>
+                  <a:tcPr marL="2000" marR="2000" marT="2000" marB="0" anchor="b"/>
+                </a:tc>
+                <a:tc>
+                  <a:txBody>
+                    <a:bodyPr/>
+                    <a:lstStyle/>
+                    <a:p>
+                      <a:pPr algn="r" fontAlgn="b"/>
+                      <a:r>
+                        <a:rPr lang="en-GB" sz="1100" b="1" u="none" strike="noStrike" dirty="0">
+                          <a:effectLst/>
+                        </a:rPr>
+                        <a:t>Male</a:t>
+                      </a:r>
+                      <a:endParaRPr lang="en-NL" sz="1100" b="1" i="0" u="none" strike="noStrike" dirty="0">
+                        <a:solidFill>
+                          <a:srgbClr val="000000"/>
+                        </a:solidFill>
+                        <a:effectLst/>
+                        <a:latin typeface="Calibri" panose="020F0502020204030204" pitchFamily="34" charset="0"/>
+                      </a:endParaRPr>
+                    </a:p>
+                  </a:txBody>
+                  <a:tcPr marL="2000" marR="2000" marT="2000" marB="0" anchor="b"/>
+                </a:tc>
+                <a:tc>
+                  <a:txBody>
+                    <a:bodyPr/>
+                    <a:lstStyle/>
+                    <a:p>
+                      <a:pPr algn="r" fontAlgn="b"/>
+                      <a:r>
+                        <a:rPr lang="en-GB" sz="1100" b="1" u="none" strike="noStrike" dirty="0">
+                          <a:effectLst/>
+                        </a:rPr>
+                        <a:t>Female</a:t>
+                      </a:r>
+                      <a:endParaRPr lang="en-NL" sz="1100" b="1" i="0" u="none" strike="noStrike" dirty="0">
+                        <a:solidFill>
+                          <a:srgbClr val="000000"/>
+                        </a:solidFill>
+                        <a:effectLst/>
+                        <a:latin typeface="Calibri" panose="020F0502020204030204" pitchFamily="34" charset="0"/>
+                      </a:endParaRPr>
+                    </a:p>
+                  </a:txBody>
+                  <a:tcPr marL="2000" marR="2000" marT="2000" marB="0" anchor="b"/>
+                </a:tc>
+                <a:extLst>
+                  <a:ext uri="{0D108BD9-81ED-4DB2-BD59-A6C34878D82A}">
+                    <a16:rowId xmlns:a16="http://schemas.microsoft.com/office/drawing/2014/main" val="4199013563"/>
+                  </a:ext>
+                </a:extLst>
+              </a:tr>
+              <a:tr h="215076">
+                <a:tc>
+                  <a:txBody>
+                    <a:bodyPr/>
+                    <a:lstStyle/>
+                    <a:p>
+                      <a:pPr algn="l" fontAlgn="b"/>
+                      <a:r>
+                        <a:rPr lang="en-US" sz="1100" u="none" strike="noStrike">
+                          <a:effectLst/>
+                        </a:rPr>
+                        <a:t>nqx - probability of dying between ages x and x+n</a:t>
+                      </a:r>
+                      <a:endParaRPr lang="en-US" sz="1100" b="0" i="0" u="none" strike="noStrike" dirty="0">
+                        <a:solidFill>
+                          <a:srgbClr val="000000"/>
+                        </a:solidFill>
+                        <a:effectLst/>
+                        <a:latin typeface="Calibri" panose="020F0502020204030204" pitchFamily="34" charset="0"/>
+                      </a:endParaRPr>
+                    </a:p>
+                  </a:txBody>
+                  <a:tcPr marL="2000" marR="2000" marT="2000" marB="0" anchor="b"/>
+                </a:tc>
+                <a:tc>
+                  <a:txBody>
+                    <a:bodyPr/>
+                    <a:lstStyle/>
+                    <a:p>
+                      <a:pPr algn="l" fontAlgn="b"/>
+                      <a:r>
+                        <a:rPr lang="pt-BR" sz="1100" u="none" strike="noStrike">
+                          <a:effectLst/>
+                        </a:rPr>
+                        <a:t>&lt;1 year</a:t>
+                      </a:r>
+                      <a:endParaRPr lang="pt-BR" sz="1100" b="0" i="0" u="none" strike="noStrike" dirty="0">
+                        <a:solidFill>
+                          <a:srgbClr val="000000"/>
+                        </a:solidFill>
+                        <a:effectLst/>
+                        <a:latin typeface="Calibri" panose="020F0502020204030204" pitchFamily="34" charset="0"/>
+                      </a:endParaRPr>
+                    </a:p>
+                  </a:txBody>
+                  <a:tcPr marL="2000" marR="2000" marT="2000" marB="0" anchor="b"/>
+                </a:tc>
+                <a:tc>
+                  <a:txBody>
+                    <a:bodyPr/>
+                    <a:lstStyle/>
+                    <a:p>
+                      <a:pPr algn="r" fontAlgn="b"/>
+                      <a:r>
+                        <a:rPr lang="en-NL" sz="1100" u="none" strike="noStrike">
+                          <a:effectLst/>
+                        </a:rPr>
+                        <a:t>0.032815</a:t>
+                      </a:r>
+                      <a:endParaRPr lang="en-NL" sz="1100" b="0" i="0" u="none" strike="noStrike" dirty="0">
+                        <a:solidFill>
+                          <a:srgbClr val="000000"/>
+                        </a:solidFill>
+                        <a:effectLst/>
+                        <a:latin typeface="Calibri" panose="020F0502020204030204" pitchFamily="34" charset="0"/>
+                      </a:endParaRPr>
+                    </a:p>
+                  </a:txBody>
+                  <a:tcPr marL="2000" marR="2000" marT="2000" marB="0" anchor="b"/>
+                </a:tc>
+                <a:tc>
+                  <a:txBody>
+                    <a:bodyPr/>
+                    <a:lstStyle/>
+                    <a:p>
+                      <a:pPr algn="r" fontAlgn="b"/>
+                      <a:r>
+                        <a:rPr lang="en-NL" sz="1100" u="none" strike="noStrike">
+                          <a:effectLst/>
+                        </a:rPr>
+                        <a:t>0.036014</a:t>
+                      </a:r>
+                      <a:endParaRPr lang="en-NL" sz="1100" b="0" i="0" u="none" strike="noStrike" dirty="0">
+                        <a:solidFill>
+                          <a:srgbClr val="000000"/>
+                        </a:solidFill>
+                        <a:effectLst/>
+                        <a:latin typeface="Calibri" panose="020F0502020204030204" pitchFamily="34" charset="0"/>
+                      </a:endParaRPr>
+                    </a:p>
+                  </a:txBody>
+                  <a:tcPr marL="2000" marR="2000" marT="2000" marB="0" anchor="b"/>
+                </a:tc>
+                <a:tc>
+                  <a:txBody>
+                    <a:bodyPr/>
+                    <a:lstStyle/>
+                    <a:p>
+                      <a:pPr algn="r" fontAlgn="b"/>
+                      <a:r>
+                        <a:rPr lang="en-NL" sz="1100" u="none" strike="noStrike">
+                          <a:effectLst/>
+                        </a:rPr>
+                        <a:t>0.029515</a:t>
+                      </a:r>
+                      <a:endParaRPr lang="en-NL" sz="1100" b="0" i="0" u="none" strike="noStrike" dirty="0">
+                        <a:solidFill>
+                          <a:srgbClr val="000000"/>
+                        </a:solidFill>
+                        <a:effectLst/>
+                        <a:latin typeface="Calibri" panose="020F0502020204030204" pitchFamily="34" charset="0"/>
+                      </a:endParaRPr>
+                    </a:p>
+                  </a:txBody>
+                  <a:tcPr marL="2000" marR="2000" marT="2000" marB="0" anchor="b"/>
+                </a:tc>
+                <a:extLst>
+                  <a:ext uri="{0D108BD9-81ED-4DB2-BD59-A6C34878D82A}">
+                    <a16:rowId xmlns:a16="http://schemas.microsoft.com/office/drawing/2014/main" val="2130695746"/>
+                  </a:ext>
+                </a:extLst>
+              </a:tr>
+              <a:tr h="215076">
+                <a:tc>
+                  <a:txBody>
+                    <a:bodyPr/>
+                    <a:lstStyle/>
+                    <a:p>
+                      <a:pPr algn="l" fontAlgn="b"/>
+                      <a:r>
+                        <a:rPr lang="en-US" sz="1100" u="none" strike="noStrike">
+                          <a:effectLst/>
+                        </a:rPr>
+                        <a:t>nqx - probability of dying between ages x and x+n</a:t>
+                      </a:r>
+                      <a:endParaRPr lang="en-US" sz="1100" b="0" i="0" u="none" strike="noStrike">
+                        <a:solidFill>
+                          <a:srgbClr val="000000"/>
+                        </a:solidFill>
+                        <a:effectLst/>
+                        <a:latin typeface="Calibri" panose="020F0502020204030204" pitchFamily="34" charset="0"/>
+                      </a:endParaRPr>
+                    </a:p>
+                  </a:txBody>
+                  <a:tcPr marL="2000" marR="2000" marT="2000" marB="0" anchor="b"/>
+                </a:tc>
+                <a:tc>
+                  <a:txBody>
+                    <a:bodyPr/>
+                    <a:lstStyle/>
+                    <a:p>
+                      <a:pPr algn="l" fontAlgn="b"/>
+                      <a:r>
+                        <a:rPr lang="pt-BR" sz="1100" u="none" strike="noStrike">
+                          <a:effectLst/>
+                        </a:rPr>
+                        <a:t>1-4 years</a:t>
+                      </a:r>
+                      <a:endParaRPr lang="pt-BR" sz="1100" b="0" i="0" u="none" strike="noStrike">
+                        <a:solidFill>
+                          <a:srgbClr val="000000"/>
+                        </a:solidFill>
+                        <a:effectLst/>
+                        <a:latin typeface="Calibri" panose="020F0502020204030204" pitchFamily="34" charset="0"/>
+                      </a:endParaRPr>
+                    </a:p>
+                  </a:txBody>
+                  <a:tcPr marL="2000" marR="2000" marT="2000" marB="0" anchor="b"/>
+                </a:tc>
+                <a:tc>
+                  <a:txBody>
+                    <a:bodyPr/>
+                    <a:lstStyle/>
+                    <a:p>
+                      <a:pPr algn="r" fontAlgn="b"/>
+                      <a:r>
+                        <a:rPr lang="en-NL" sz="1100" u="none" strike="noStrike">
+                          <a:effectLst/>
+                        </a:rPr>
+                        <a:t>0.011818</a:t>
+                      </a:r>
+                      <a:endParaRPr lang="en-NL" sz="1100" b="0" i="0" u="none" strike="noStrike">
+                        <a:solidFill>
+                          <a:srgbClr val="000000"/>
+                        </a:solidFill>
+                        <a:effectLst/>
+                        <a:latin typeface="Calibri" panose="020F0502020204030204" pitchFamily="34" charset="0"/>
+                      </a:endParaRPr>
+                    </a:p>
+                  </a:txBody>
+                  <a:tcPr marL="2000" marR="2000" marT="2000" marB="0" anchor="b"/>
+                </a:tc>
+                <a:tc>
+                  <a:txBody>
+                    <a:bodyPr/>
+                    <a:lstStyle/>
+                    <a:p>
+                      <a:pPr algn="r" fontAlgn="b"/>
+                      <a:r>
+                        <a:rPr lang="en-NL" sz="1100" u="none" strike="noStrike">
+                          <a:effectLst/>
+                        </a:rPr>
+                        <a:t>0.012449</a:t>
+                      </a:r>
+                      <a:endParaRPr lang="en-NL" sz="1100" b="0" i="0" u="none" strike="noStrike">
+                        <a:solidFill>
+                          <a:srgbClr val="000000"/>
+                        </a:solidFill>
+                        <a:effectLst/>
+                        <a:latin typeface="Calibri" panose="020F0502020204030204" pitchFamily="34" charset="0"/>
+                      </a:endParaRPr>
+                    </a:p>
+                  </a:txBody>
+                  <a:tcPr marL="2000" marR="2000" marT="2000" marB="0" anchor="b"/>
+                </a:tc>
+                <a:tc>
+                  <a:txBody>
+                    <a:bodyPr/>
+                    <a:lstStyle/>
+                    <a:p>
+                      <a:pPr algn="r" fontAlgn="b"/>
+                      <a:r>
+                        <a:rPr lang="en-NL" sz="1100" u="none" strike="noStrike">
+                          <a:effectLst/>
+                        </a:rPr>
+                        <a:t>0.011174</a:t>
+                      </a:r>
+                      <a:endParaRPr lang="en-NL" sz="1100" b="0" i="0" u="none" strike="noStrike">
+                        <a:solidFill>
+                          <a:srgbClr val="000000"/>
+                        </a:solidFill>
+                        <a:effectLst/>
+                        <a:latin typeface="Calibri" panose="020F0502020204030204" pitchFamily="34" charset="0"/>
+                      </a:endParaRPr>
+                    </a:p>
+                  </a:txBody>
+                  <a:tcPr marL="2000" marR="2000" marT="2000" marB="0" anchor="b"/>
+                </a:tc>
+                <a:extLst>
+                  <a:ext uri="{0D108BD9-81ED-4DB2-BD59-A6C34878D82A}">
+                    <a16:rowId xmlns:a16="http://schemas.microsoft.com/office/drawing/2014/main" val="3663808040"/>
+                  </a:ext>
+                </a:extLst>
+              </a:tr>
+              <a:tr h="215076">
+                <a:tc>
+                  <a:txBody>
+                    <a:bodyPr/>
+                    <a:lstStyle/>
+                    <a:p>
+                      <a:pPr algn="l" fontAlgn="b"/>
+                      <a:r>
+                        <a:rPr lang="en-US" sz="1100" u="none" strike="noStrike">
+                          <a:effectLst/>
+                        </a:rPr>
+                        <a:t>nqx - probability of dying between ages x and x+n</a:t>
+                      </a:r>
+                      <a:endParaRPr lang="en-US" sz="1100" b="0" i="0" u="none" strike="noStrike">
+                        <a:solidFill>
+                          <a:srgbClr val="000000"/>
+                        </a:solidFill>
+                        <a:effectLst/>
+                        <a:latin typeface="Calibri" panose="020F0502020204030204" pitchFamily="34" charset="0"/>
+                      </a:endParaRPr>
+                    </a:p>
+                  </a:txBody>
+                  <a:tcPr marL="2000" marR="2000" marT="2000" marB="0" anchor="b"/>
+                </a:tc>
+                <a:tc>
+                  <a:txBody>
+                    <a:bodyPr/>
+                    <a:lstStyle/>
+                    <a:p>
+                      <a:pPr algn="l" fontAlgn="b"/>
+                      <a:r>
+                        <a:rPr lang="pt-BR" sz="1100" u="none" strike="noStrike">
+                          <a:effectLst/>
+                        </a:rPr>
+                        <a:t>5-9 years</a:t>
+                      </a:r>
+                      <a:endParaRPr lang="pt-BR" sz="1100" b="0" i="0" u="none" strike="noStrike">
+                        <a:solidFill>
+                          <a:srgbClr val="000000"/>
+                        </a:solidFill>
+                        <a:effectLst/>
+                        <a:latin typeface="Calibri" panose="020F0502020204030204" pitchFamily="34" charset="0"/>
+                      </a:endParaRPr>
+                    </a:p>
+                  </a:txBody>
+                  <a:tcPr marL="2000" marR="2000" marT="2000" marB="0" anchor="b"/>
+                </a:tc>
+                <a:tc>
+                  <a:txBody>
+                    <a:bodyPr/>
+                    <a:lstStyle/>
+                    <a:p>
+                      <a:pPr algn="r" fontAlgn="b"/>
+                      <a:r>
+                        <a:rPr lang="en-NL" sz="1100" u="none" strike="noStrike">
+                          <a:effectLst/>
+                        </a:rPr>
+                        <a:t>0.005325</a:t>
+                      </a:r>
+                      <a:endParaRPr lang="en-NL" sz="1100" b="0" i="0" u="none" strike="noStrike">
+                        <a:solidFill>
+                          <a:srgbClr val="000000"/>
+                        </a:solidFill>
+                        <a:effectLst/>
+                        <a:latin typeface="Calibri" panose="020F0502020204030204" pitchFamily="34" charset="0"/>
+                      </a:endParaRPr>
+                    </a:p>
+                  </a:txBody>
+                  <a:tcPr marL="2000" marR="2000" marT="2000" marB="0" anchor="b"/>
+                </a:tc>
+                <a:tc>
+                  <a:txBody>
+                    <a:bodyPr/>
+                    <a:lstStyle/>
+                    <a:p>
+                      <a:pPr algn="r" fontAlgn="b"/>
+                      <a:r>
+                        <a:rPr lang="en-NL" sz="1100" u="none" strike="noStrike">
+                          <a:effectLst/>
+                        </a:rPr>
+                        <a:t>0.005611</a:t>
+                      </a:r>
+                      <a:endParaRPr lang="en-NL" sz="1100" b="0" i="0" u="none" strike="noStrike">
+                        <a:solidFill>
+                          <a:srgbClr val="000000"/>
+                        </a:solidFill>
+                        <a:effectLst/>
+                        <a:latin typeface="Calibri" panose="020F0502020204030204" pitchFamily="34" charset="0"/>
+                      </a:endParaRPr>
+                    </a:p>
+                  </a:txBody>
+                  <a:tcPr marL="2000" marR="2000" marT="2000" marB="0" anchor="b"/>
+                </a:tc>
+                <a:tc>
+                  <a:txBody>
+                    <a:bodyPr/>
+                    <a:lstStyle/>
+                    <a:p>
+                      <a:pPr algn="r" fontAlgn="b"/>
+                      <a:r>
+                        <a:rPr lang="en-NL" sz="1100" u="none" strike="noStrike">
+                          <a:effectLst/>
+                        </a:rPr>
+                        <a:t>0.005034</a:t>
+                      </a:r>
+                      <a:endParaRPr lang="en-NL" sz="1100" b="0" i="0" u="none" strike="noStrike">
+                        <a:solidFill>
+                          <a:srgbClr val="000000"/>
+                        </a:solidFill>
+                        <a:effectLst/>
+                        <a:latin typeface="Calibri" panose="020F0502020204030204" pitchFamily="34" charset="0"/>
+                      </a:endParaRPr>
+                    </a:p>
+                  </a:txBody>
+                  <a:tcPr marL="2000" marR="2000" marT="2000" marB="0" anchor="b"/>
+                </a:tc>
+                <a:extLst>
+                  <a:ext uri="{0D108BD9-81ED-4DB2-BD59-A6C34878D82A}">
+                    <a16:rowId xmlns:a16="http://schemas.microsoft.com/office/drawing/2014/main" val="4058839789"/>
+                  </a:ext>
+                </a:extLst>
+              </a:tr>
+              <a:tr h="215076">
+                <a:tc>
+                  <a:txBody>
+                    <a:bodyPr/>
+                    <a:lstStyle/>
+                    <a:p>
+                      <a:pPr algn="l" fontAlgn="b"/>
+                      <a:r>
+                        <a:rPr lang="en-US" sz="1100" u="none" strike="noStrike">
+                          <a:effectLst/>
+                        </a:rPr>
+                        <a:t>nqx - probability of dying between ages x and x+n</a:t>
+                      </a:r>
+                      <a:endParaRPr lang="en-US" sz="1100" b="0" i="0" u="none" strike="noStrike">
+                        <a:solidFill>
+                          <a:srgbClr val="000000"/>
+                        </a:solidFill>
+                        <a:effectLst/>
+                        <a:latin typeface="Calibri" panose="020F0502020204030204" pitchFamily="34" charset="0"/>
+                      </a:endParaRPr>
+                    </a:p>
+                  </a:txBody>
+                  <a:tcPr marL="2000" marR="2000" marT="2000" marB="0" anchor="b"/>
+                </a:tc>
+                <a:tc>
+                  <a:txBody>
+                    <a:bodyPr/>
+                    <a:lstStyle/>
+                    <a:p>
+                      <a:pPr algn="l" fontAlgn="b"/>
+                      <a:r>
+                        <a:rPr lang="pt-BR" sz="1100" u="none" strike="noStrike">
+                          <a:effectLst/>
+                        </a:rPr>
+                        <a:t>10-14 years</a:t>
+                      </a:r>
+                      <a:endParaRPr lang="pt-BR" sz="1100" b="0" i="0" u="none" strike="noStrike">
+                        <a:solidFill>
+                          <a:srgbClr val="000000"/>
+                        </a:solidFill>
+                        <a:effectLst/>
+                        <a:latin typeface="Calibri" panose="020F0502020204030204" pitchFamily="34" charset="0"/>
+                      </a:endParaRPr>
+                    </a:p>
+                  </a:txBody>
+                  <a:tcPr marL="2000" marR="2000" marT="2000" marB="0" anchor="b"/>
+                </a:tc>
+                <a:tc>
+                  <a:txBody>
+                    <a:bodyPr/>
+                    <a:lstStyle/>
+                    <a:p>
+                      <a:pPr algn="r" fontAlgn="b"/>
+                      <a:r>
+                        <a:rPr lang="en-NL" sz="1100" u="none" strike="noStrike">
+                          <a:effectLst/>
+                        </a:rPr>
+                        <a:t>0.004569</a:t>
+                      </a:r>
+                      <a:endParaRPr lang="en-NL" sz="1100" b="0" i="0" u="none" strike="noStrike">
+                        <a:solidFill>
+                          <a:srgbClr val="000000"/>
+                        </a:solidFill>
+                        <a:effectLst/>
+                        <a:latin typeface="Calibri" panose="020F0502020204030204" pitchFamily="34" charset="0"/>
+                      </a:endParaRPr>
+                    </a:p>
+                  </a:txBody>
+                  <a:tcPr marL="2000" marR="2000" marT="2000" marB="0" anchor="b"/>
+                </a:tc>
+                <a:tc>
+                  <a:txBody>
+                    <a:bodyPr/>
+                    <a:lstStyle/>
+                    <a:p>
+                      <a:pPr algn="r" fontAlgn="b"/>
+                      <a:r>
+                        <a:rPr lang="en-NL" sz="1100" u="none" strike="noStrike">
+                          <a:effectLst/>
+                        </a:rPr>
+                        <a:t>0.005323</a:t>
+                      </a:r>
+                      <a:endParaRPr lang="en-NL" sz="1100" b="0" i="0" u="none" strike="noStrike">
+                        <a:solidFill>
+                          <a:srgbClr val="000000"/>
+                        </a:solidFill>
+                        <a:effectLst/>
+                        <a:latin typeface="Calibri" panose="020F0502020204030204" pitchFamily="34" charset="0"/>
+                      </a:endParaRPr>
+                    </a:p>
+                  </a:txBody>
+                  <a:tcPr marL="2000" marR="2000" marT="2000" marB="0" anchor="b"/>
+                </a:tc>
+                <a:tc>
+                  <a:txBody>
+                    <a:bodyPr/>
+                    <a:lstStyle/>
+                    <a:p>
+                      <a:pPr algn="r" fontAlgn="b"/>
+                      <a:r>
+                        <a:rPr lang="en-NL" sz="1100" u="none" strike="noStrike">
+                          <a:effectLst/>
+                        </a:rPr>
+                        <a:t>0.003802</a:t>
+                      </a:r>
+                      <a:endParaRPr lang="en-NL" sz="1100" b="0" i="0" u="none" strike="noStrike">
+                        <a:solidFill>
+                          <a:srgbClr val="000000"/>
+                        </a:solidFill>
+                        <a:effectLst/>
+                        <a:latin typeface="Calibri" panose="020F0502020204030204" pitchFamily="34" charset="0"/>
+                      </a:endParaRPr>
+                    </a:p>
+                  </a:txBody>
+                  <a:tcPr marL="2000" marR="2000" marT="2000" marB="0" anchor="b"/>
+                </a:tc>
+                <a:extLst>
+                  <a:ext uri="{0D108BD9-81ED-4DB2-BD59-A6C34878D82A}">
+                    <a16:rowId xmlns:a16="http://schemas.microsoft.com/office/drawing/2014/main" val="3204187843"/>
+                  </a:ext>
+                </a:extLst>
+              </a:tr>
+              <a:tr h="215076">
+                <a:tc>
+                  <a:txBody>
+                    <a:bodyPr/>
+                    <a:lstStyle/>
+                    <a:p>
+                      <a:pPr algn="l" fontAlgn="b"/>
+                      <a:r>
+                        <a:rPr lang="en-US" sz="1100" u="none" strike="noStrike" dirty="0" err="1">
+                          <a:effectLst/>
+                          <a:highlight>
+                            <a:srgbClr val="C0C0C0"/>
+                          </a:highlight>
+                        </a:rPr>
+                        <a:t>nqx</a:t>
+                      </a:r>
+                      <a:r>
+                        <a:rPr lang="en-US" sz="1100" u="none" strike="noStrike" dirty="0">
+                          <a:effectLst/>
+                          <a:highlight>
+                            <a:srgbClr val="C0C0C0"/>
+                          </a:highlight>
+                        </a:rPr>
+                        <a:t> - probability of dying between ages x and </a:t>
+                      </a:r>
+                      <a:r>
+                        <a:rPr lang="en-US" sz="1100" u="none" strike="noStrike" dirty="0" err="1">
+                          <a:effectLst/>
+                          <a:highlight>
+                            <a:srgbClr val="C0C0C0"/>
+                          </a:highlight>
+                        </a:rPr>
+                        <a:t>x+n</a:t>
+                      </a:r>
+                      <a:endParaRPr lang="en-US" sz="1100" b="0" i="0" u="none" strike="noStrike" dirty="0">
+                        <a:solidFill>
+                          <a:srgbClr val="000000"/>
+                        </a:solidFill>
+                        <a:effectLst/>
+                        <a:highlight>
+                          <a:srgbClr val="C0C0C0"/>
+                        </a:highlight>
+                        <a:latin typeface="Calibri" panose="020F0502020204030204" pitchFamily="34" charset="0"/>
+                      </a:endParaRPr>
+                    </a:p>
+                  </a:txBody>
+                  <a:tcPr marL="2000" marR="2000" marT="2000" marB="0" anchor="b"/>
+                </a:tc>
+                <a:tc>
+                  <a:txBody>
+                    <a:bodyPr/>
+                    <a:lstStyle/>
+                    <a:p>
+                      <a:pPr algn="l" fontAlgn="b"/>
+                      <a:r>
+                        <a:rPr lang="pt-BR" sz="1100" u="none" strike="noStrike">
+                          <a:effectLst/>
+                          <a:highlight>
+                            <a:srgbClr val="C0C0C0"/>
+                          </a:highlight>
+                        </a:rPr>
+                        <a:t>15-19  years</a:t>
+                      </a:r>
+                      <a:endParaRPr lang="pt-BR" sz="1100" b="0" i="0" u="none" strike="noStrike">
+                        <a:solidFill>
+                          <a:srgbClr val="000000"/>
+                        </a:solidFill>
+                        <a:effectLst/>
+                        <a:highlight>
+                          <a:srgbClr val="C0C0C0"/>
+                        </a:highlight>
+                        <a:latin typeface="Calibri" panose="020F0502020204030204" pitchFamily="34" charset="0"/>
+                      </a:endParaRPr>
+                    </a:p>
+                  </a:txBody>
+                  <a:tcPr marL="2000" marR="2000" marT="2000" marB="0" anchor="b"/>
+                </a:tc>
+                <a:tc>
+                  <a:txBody>
+                    <a:bodyPr/>
+                    <a:lstStyle/>
+                    <a:p>
+                      <a:pPr algn="r" fontAlgn="b"/>
+                      <a:r>
+                        <a:rPr lang="en-NL" sz="1100" u="none" strike="noStrike">
+                          <a:effectLst/>
+                          <a:highlight>
+                            <a:srgbClr val="C0C0C0"/>
+                          </a:highlight>
+                        </a:rPr>
+                        <a:t>0.006581</a:t>
+                      </a:r>
+                      <a:endParaRPr lang="en-NL" sz="1100" b="0" i="0" u="none" strike="noStrike">
+                        <a:solidFill>
+                          <a:srgbClr val="000000"/>
+                        </a:solidFill>
+                        <a:effectLst/>
+                        <a:highlight>
+                          <a:srgbClr val="C0C0C0"/>
+                        </a:highlight>
+                        <a:latin typeface="Calibri" panose="020F0502020204030204" pitchFamily="34" charset="0"/>
+                      </a:endParaRPr>
+                    </a:p>
+                  </a:txBody>
+                  <a:tcPr marL="2000" marR="2000" marT="2000" marB="0" anchor="b"/>
+                </a:tc>
+                <a:tc>
+                  <a:txBody>
+                    <a:bodyPr/>
+                    <a:lstStyle/>
+                    <a:p>
+                      <a:pPr algn="r" fontAlgn="b"/>
+                      <a:r>
+                        <a:rPr lang="en-NL" sz="1100" u="none" strike="noStrike">
+                          <a:effectLst/>
+                          <a:highlight>
+                            <a:srgbClr val="C0C0C0"/>
+                          </a:highlight>
+                        </a:rPr>
+                        <a:t>0.007947</a:t>
+                      </a:r>
+                      <a:endParaRPr lang="en-NL" sz="1100" b="0" i="0" u="none" strike="noStrike">
+                        <a:solidFill>
+                          <a:srgbClr val="000000"/>
+                        </a:solidFill>
+                        <a:effectLst/>
+                        <a:highlight>
+                          <a:srgbClr val="C0C0C0"/>
+                        </a:highlight>
+                        <a:latin typeface="Calibri" panose="020F0502020204030204" pitchFamily="34" charset="0"/>
+                      </a:endParaRPr>
+                    </a:p>
+                  </a:txBody>
+                  <a:tcPr marL="2000" marR="2000" marT="2000" marB="0" anchor="b"/>
+                </a:tc>
+                <a:tc>
+                  <a:txBody>
+                    <a:bodyPr/>
+                    <a:lstStyle/>
+                    <a:p>
+                      <a:pPr algn="r" fontAlgn="b"/>
+                      <a:r>
+                        <a:rPr lang="en-NL" sz="1100" u="none" strike="noStrike">
+                          <a:effectLst/>
+                          <a:highlight>
+                            <a:srgbClr val="C0C0C0"/>
+                          </a:highlight>
+                        </a:rPr>
+                        <a:t>0.0052</a:t>
+                      </a:r>
+                      <a:endParaRPr lang="en-NL" sz="1100" b="0" i="0" u="none" strike="noStrike">
+                        <a:solidFill>
+                          <a:srgbClr val="000000"/>
+                        </a:solidFill>
+                        <a:effectLst/>
+                        <a:highlight>
+                          <a:srgbClr val="C0C0C0"/>
+                        </a:highlight>
+                        <a:latin typeface="Calibri" panose="020F0502020204030204" pitchFamily="34" charset="0"/>
+                      </a:endParaRPr>
+                    </a:p>
+                  </a:txBody>
+                  <a:tcPr marL="2000" marR="2000" marT="2000" marB="0" anchor="b"/>
+                </a:tc>
+                <a:extLst>
+                  <a:ext uri="{0D108BD9-81ED-4DB2-BD59-A6C34878D82A}">
+                    <a16:rowId xmlns:a16="http://schemas.microsoft.com/office/drawing/2014/main" val="1302097124"/>
+                  </a:ext>
+                </a:extLst>
+              </a:tr>
+              <a:tr h="215076">
+                <a:tc>
+                  <a:txBody>
+                    <a:bodyPr/>
+                    <a:lstStyle/>
+                    <a:p>
+                      <a:pPr algn="l" fontAlgn="b"/>
+                      <a:r>
+                        <a:rPr lang="en-US" sz="1100" u="none" strike="noStrike" dirty="0" err="1">
+                          <a:effectLst/>
+                          <a:highlight>
+                            <a:srgbClr val="C0C0C0"/>
+                          </a:highlight>
+                        </a:rPr>
+                        <a:t>nqx</a:t>
+                      </a:r>
+                      <a:r>
+                        <a:rPr lang="en-US" sz="1100" u="none" strike="noStrike" dirty="0">
+                          <a:effectLst/>
+                          <a:highlight>
+                            <a:srgbClr val="C0C0C0"/>
+                          </a:highlight>
+                        </a:rPr>
+                        <a:t> - probability of dying between ages x and </a:t>
+                      </a:r>
+                      <a:r>
+                        <a:rPr lang="en-US" sz="1100" u="none" strike="noStrike" dirty="0" err="1">
+                          <a:effectLst/>
+                          <a:highlight>
+                            <a:srgbClr val="C0C0C0"/>
+                          </a:highlight>
+                        </a:rPr>
+                        <a:t>x+n</a:t>
+                      </a:r>
+                      <a:endParaRPr lang="en-US" sz="1100" b="0" i="0" u="none" strike="noStrike" dirty="0">
+                        <a:solidFill>
+                          <a:srgbClr val="000000"/>
+                        </a:solidFill>
+                        <a:effectLst/>
+                        <a:highlight>
+                          <a:srgbClr val="C0C0C0"/>
+                        </a:highlight>
+                        <a:latin typeface="Calibri" panose="020F0502020204030204" pitchFamily="34" charset="0"/>
+                      </a:endParaRPr>
+                    </a:p>
+                  </a:txBody>
+                  <a:tcPr marL="2000" marR="2000" marT="2000" marB="0" anchor="b"/>
+                </a:tc>
+                <a:tc>
+                  <a:txBody>
+                    <a:bodyPr/>
+                    <a:lstStyle/>
+                    <a:p>
+                      <a:pPr algn="l" fontAlgn="b"/>
+                      <a:r>
+                        <a:rPr lang="pt-BR" sz="1100" u="none" strike="noStrike">
+                          <a:effectLst/>
+                          <a:highlight>
+                            <a:srgbClr val="C0C0C0"/>
+                          </a:highlight>
+                        </a:rPr>
+                        <a:t>20-24 years</a:t>
+                      </a:r>
+                      <a:endParaRPr lang="pt-BR" sz="1100" b="0" i="0" u="none" strike="noStrike">
+                        <a:solidFill>
+                          <a:srgbClr val="000000"/>
+                        </a:solidFill>
+                        <a:effectLst/>
+                        <a:highlight>
+                          <a:srgbClr val="C0C0C0"/>
+                        </a:highlight>
+                        <a:latin typeface="Calibri" panose="020F0502020204030204" pitchFamily="34" charset="0"/>
+                      </a:endParaRPr>
+                    </a:p>
+                  </a:txBody>
+                  <a:tcPr marL="2000" marR="2000" marT="2000" marB="0" anchor="b"/>
+                </a:tc>
+                <a:tc>
+                  <a:txBody>
+                    <a:bodyPr/>
+                    <a:lstStyle/>
+                    <a:p>
+                      <a:pPr algn="r" fontAlgn="b"/>
+                      <a:r>
+                        <a:rPr lang="en-NL" sz="1100" u="none" strike="noStrike">
+                          <a:effectLst/>
+                          <a:highlight>
+                            <a:srgbClr val="C0C0C0"/>
+                          </a:highlight>
+                        </a:rPr>
+                        <a:t>0.008674</a:t>
+                      </a:r>
+                      <a:endParaRPr lang="en-NL" sz="1100" b="0" i="0" u="none" strike="noStrike">
+                        <a:solidFill>
+                          <a:srgbClr val="000000"/>
+                        </a:solidFill>
+                        <a:effectLst/>
+                        <a:highlight>
+                          <a:srgbClr val="C0C0C0"/>
+                        </a:highlight>
+                        <a:latin typeface="Calibri" panose="020F0502020204030204" pitchFamily="34" charset="0"/>
+                      </a:endParaRPr>
+                    </a:p>
+                  </a:txBody>
+                  <a:tcPr marL="2000" marR="2000" marT="2000" marB="0" anchor="b"/>
+                </a:tc>
+                <a:tc>
+                  <a:txBody>
+                    <a:bodyPr/>
+                    <a:lstStyle/>
+                    <a:p>
+                      <a:pPr algn="r" fontAlgn="b"/>
+                      <a:r>
+                        <a:rPr lang="en-NL" sz="1100" u="none" strike="noStrike">
+                          <a:effectLst/>
+                          <a:highlight>
+                            <a:srgbClr val="C0C0C0"/>
+                          </a:highlight>
+                        </a:rPr>
+                        <a:t>0.010232</a:t>
+                      </a:r>
+                      <a:endParaRPr lang="en-NL" sz="1100" b="0" i="0" u="none" strike="noStrike">
+                        <a:solidFill>
+                          <a:srgbClr val="000000"/>
+                        </a:solidFill>
+                        <a:effectLst/>
+                        <a:highlight>
+                          <a:srgbClr val="C0C0C0"/>
+                        </a:highlight>
+                        <a:latin typeface="Calibri" panose="020F0502020204030204" pitchFamily="34" charset="0"/>
+                      </a:endParaRPr>
+                    </a:p>
+                  </a:txBody>
+                  <a:tcPr marL="2000" marR="2000" marT="2000" marB="0" anchor="b"/>
+                </a:tc>
+                <a:tc>
+                  <a:txBody>
+                    <a:bodyPr/>
+                    <a:lstStyle/>
+                    <a:p>
+                      <a:pPr algn="r" fontAlgn="b"/>
+                      <a:r>
+                        <a:rPr lang="en-NL" sz="1100" u="none" strike="noStrike">
+                          <a:effectLst/>
+                          <a:highlight>
+                            <a:srgbClr val="C0C0C0"/>
+                          </a:highlight>
+                        </a:rPr>
+                        <a:t>0.007114</a:t>
+                      </a:r>
+                      <a:endParaRPr lang="en-NL" sz="1100" b="0" i="0" u="none" strike="noStrike">
+                        <a:solidFill>
+                          <a:srgbClr val="000000"/>
+                        </a:solidFill>
+                        <a:effectLst/>
+                        <a:highlight>
+                          <a:srgbClr val="C0C0C0"/>
+                        </a:highlight>
+                        <a:latin typeface="Calibri" panose="020F0502020204030204" pitchFamily="34" charset="0"/>
+                      </a:endParaRPr>
+                    </a:p>
+                  </a:txBody>
+                  <a:tcPr marL="2000" marR="2000" marT="2000" marB="0" anchor="b"/>
+                </a:tc>
+                <a:extLst>
+                  <a:ext uri="{0D108BD9-81ED-4DB2-BD59-A6C34878D82A}">
+                    <a16:rowId xmlns:a16="http://schemas.microsoft.com/office/drawing/2014/main" val="3545803163"/>
+                  </a:ext>
+                </a:extLst>
+              </a:tr>
+              <a:tr h="215076">
+                <a:tc>
+                  <a:txBody>
+                    <a:bodyPr/>
+                    <a:lstStyle/>
+                    <a:p>
+                      <a:pPr algn="l" fontAlgn="b"/>
+                      <a:r>
+                        <a:rPr lang="en-US" sz="1100" u="none" strike="noStrike" dirty="0" err="1">
+                          <a:effectLst/>
+                          <a:highlight>
+                            <a:srgbClr val="C0C0C0"/>
+                          </a:highlight>
+                        </a:rPr>
+                        <a:t>nqx</a:t>
+                      </a:r>
+                      <a:r>
+                        <a:rPr lang="en-US" sz="1100" u="none" strike="noStrike" dirty="0">
+                          <a:effectLst/>
+                          <a:highlight>
+                            <a:srgbClr val="C0C0C0"/>
+                          </a:highlight>
+                        </a:rPr>
+                        <a:t> - probability of dying between ages x and </a:t>
+                      </a:r>
+                      <a:r>
+                        <a:rPr lang="en-US" sz="1100" u="none" strike="noStrike" dirty="0" err="1">
+                          <a:effectLst/>
+                          <a:highlight>
+                            <a:srgbClr val="C0C0C0"/>
+                          </a:highlight>
+                        </a:rPr>
+                        <a:t>x+n</a:t>
+                      </a:r>
+                      <a:endParaRPr lang="en-US" sz="1100" b="0" i="0" u="none" strike="noStrike" dirty="0">
+                        <a:solidFill>
+                          <a:srgbClr val="000000"/>
+                        </a:solidFill>
+                        <a:effectLst/>
+                        <a:highlight>
+                          <a:srgbClr val="C0C0C0"/>
+                        </a:highlight>
+                        <a:latin typeface="Calibri" panose="020F0502020204030204" pitchFamily="34" charset="0"/>
+                      </a:endParaRPr>
+                    </a:p>
+                  </a:txBody>
+                  <a:tcPr marL="2000" marR="2000" marT="2000" marB="0" anchor="b"/>
+                </a:tc>
+                <a:tc>
+                  <a:txBody>
+                    <a:bodyPr/>
+                    <a:lstStyle/>
+                    <a:p>
+                      <a:pPr algn="l" fontAlgn="b"/>
+                      <a:r>
+                        <a:rPr lang="pt-BR" sz="1100" u="none" strike="noStrike" dirty="0">
+                          <a:effectLst/>
+                          <a:highlight>
+                            <a:srgbClr val="C0C0C0"/>
+                          </a:highlight>
+                        </a:rPr>
+                        <a:t>25-29 </a:t>
+                      </a:r>
+                      <a:r>
+                        <a:rPr lang="pt-BR" sz="1100" u="none" strike="noStrike" dirty="0" err="1">
+                          <a:effectLst/>
+                          <a:highlight>
+                            <a:srgbClr val="C0C0C0"/>
+                          </a:highlight>
+                        </a:rPr>
+                        <a:t>years</a:t>
+                      </a:r>
+                      <a:endParaRPr lang="pt-BR" sz="1100" b="0" i="0" u="none" strike="noStrike" dirty="0">
+                        <a:solidFill>
+                          <a:srgbClr val="000000"/>
+                        </a:solidFill>
+                        <a:effectLst/>
+                        <a:highlight>
+                          <a:srgbClr val="C0C0C0"/>
+                        </a:highlight>
+                        <a:latin typeface="Calibri" panose="020F0502020204030204" pitchFamily="34" charset="0"/>
+                      </a:endParaRPr>
+                    </a:p>
+                  </a:txBody>
+                  <a:tcPr marL="2000" marR="2000" marT="2000" marB="0" anchor="b"/>
+                </a:tc>
+                <a:tc>
+                  <a:txBody>
+                    <a:bodyPr/>
+                    <a:lstStyle/>
+                    <a:p>
+                      <a:pPr algn="r" fontAlgn="b"/>
+                      <a:r>
+                        <a:rPr lang="en-NL" sz="1100" u="none" strike="noStrike">
+                          <a:effectLst/>
+                          <a:highlight>
+                            <a:srgbClr val="C0C0C0"/>
+                          </a:highlight>
+                        </a:rPr>
+                        <a:t>0.011237</a:t>
+                      </a:r>
+                      <a:endParaRPr lang="en-NL" sz="1100" b="0" i="0" u="none" strike="noStrike">
+                        <a:solidFill>
+                          <a:srgbClr val="000000"/>
+                        </a:solidFill>
+                        <a:effectLst/>
+                        <a:highlight>
+                          <a:srgbClr val="C0C0C0"/>
+                        </a:highlight>
+                        <a:latin typeface="Calibri" panose="020F0502020204030204" pitchFamily="34" charset="0"/>
+                      </a:endParaRPr>
+                    </a:p>
+                  </a:txBody>
+                  <a:tcPr marL="2000" marR="2000" marT="2000" marB="0" anchor="b"/>
+                </a:tc>
+                <a:tc>
+                  <a:txBody>
+                    <a:bodyPr/>
+                    <a:lstStyle/>
+                    <a:p>
+                      <a:pPr algn="r" fontAlgn="b"/>
+                      <a:r>
+                        <a:rPr lang="en-NL" sz="1100" u="none" strike="noStrike">
+                          <a:effectLst/>
+                          <a:highlight>
+                            <a:srgbClr val="C0C0C0"/>
+                          </a:highlight>
+                        </a:rPr>
+                        <a:t>0.011722</a:t>
+                      </a:r>
+                      <a:endParaRPr lang="en-NL" sz="1100" b="0" i="0" u="none" strike="noStrike">
+                        <a:solidFill>
+                          <a:srgbClr val="000000"/>
+                        </a:solidFill>
+                        <a:effectLst/>
+                        <a:highlight>
+                          <a:srgbClr val="C0C0C0"/>
+                        </a:highlight>
+                        <a:latin typeface="Calibri" panose="020F0502020204030204" pitchFamily="34" charset="0"/>
+                      </a:endParaRPr>
+                    </a:p>
+                  </a:txBody>
+                  <a:tcPr marL="2000" marR="2000" marT="2000" marB="0" anchor="b"/>
+                </a:tc>
+                <a:tc>
+                  <a:txBody>
+                    <a:bodyPr/>
+                    <a:lstStyle/>
+                    <a:p>
+                      <a:pPr algn="r" fontAlgn="b"/>
+                      <a:r>
+                        <a:rPr lang="en-NL" sz="1100" u="none" strike="noStrike">
+                          <a:effectLst/>
+                          <a:highlight>
+                            <a:srgbClr val="C0C0C0"/>
+                          </a:highlight>
+                        </a:rPr>
+                        <a:t>0.010758</a:t>
+                      </a:r>
+                      <a:endParaRPr lang="en-NL" sz="1100" b="0" i="0" u="none" strike="noStrike">
+                        <a:solidFill>
+                          <a:srgbClr val="000000"/>
+                        </a:solidFill>
+                        <a:effectLst/>
+                        <a:highlight>
+                          <a:srgbClr val="C0C0C0"/>
+                        </a:highlight>
+                        <a:latin typeface="Calibri" panose="020F0502020204030204" pitchFamily="34" charset="0"/>
+                      </a:endParaRPr>
+                    </a:p>
+                  </a:txBody>
+                  <a:tcPr marL="2000" marR="2000" marT="2000" marB="0" anchor="b"/>
+                </a:tc>
+                <a:extLst>
+                  <a:ext uri="{0D108BD9-81ED-4DB2-BD59-A6C34878D82A}">
+                    <a16:rowId xmlns:a16="http://schemas.microsoft.com/office/drawing/2014/main" val="4230916914"/>
+                  </a:ext>
+                </a:extLst>
+              </a:tr>
+              <a:tr h="215076">
+                <a:tc>
+                  <a:txBody>
+                    <a:bodyPr/>
+                    <a:lstStyle/>
+                    <a:p>
+                      <a:pPr algn="l" fontAlgn="b"/>
+                      <a:r>
+                        <a:rPr lang="en-US" sz="1100" u="none" strike="noStrike">
+                          <a:effectLst/>
+                          <a:highlight>
+                            <a:srgbClr val="C0C0C0"/>
+                          </a:highlight>
+                        </a:rPr>
+                        <a:t>nqx - probability of dying between ages x and x+n</a:t>
+                      </a:r>
+                      <a:endParaRPr lang="en-US" sz="1100" b="0" i="0" u="none" strike="noStrike">
+                        <a:solidFill>
+                          <a:srgbClr val="000000"/>
+                        </a:solidFill>
+                        <a:effectLst/>
+                        <a:highlight>
+                          <a:srgbClr val="C0C0C0"/>
+                        </a:highlight>
+                        <a:latin typeface="Calibri" panose="020F0502020204030204" pitchFamily="34" charset="0"/>
+                      </a:endParaRPr>
+                    </a:p>
+                  </a:txBody>
+                  <a:tcPr marL="2000" marR="2000" marT="2000" marB="0" anchor="b"/>
+                </a:tc>
+                <a:tc>
+                  <a:txBody>
+                    <a:bodyPr/>
+                    <a:lstStyle/>
+                    <a:p>
+                      <a:pPr algn="l" fontAlgn="b"/>
+                      <a:r>
+                        <a:rPr lang="pt-BR" sz="1100" u="none" strike="noStrike" dirty="0">
+                          <a:effectLst/>
+                          <a:highlight>
+                            <a:srgbClr val="C0C0C0"/>
+                          </a:highlight>
+                        </a:rPr>
+                        <a:t>30-34 </a:t>
+                      </a:r>
+                      <a:r>
+                        <a:rPr lang="pt-BR" sz="1100" u="none" strike="noStrike" dirty="0" err="1">
+                          <a:effectLst/>
+                          <a:highlight>
+                            <a:srgbClr val="C0C0C0"/>
+                          </a:highlight>
+                        </a:rPr>
+                        <a:t>years</a:t>
+                      </a:r>
+                      <a:endParaRPr lang="pt-BR" sz="1100" b="0" i="0" u="none" strike="noStrike" dirty="0">
+                        <a:solidFill>
+                          <a:srgbClr val="000000"/>
+                        </a:solidFill>
+                        <a:effectLst/>
+                        <a:highlight>
+                          <a:srgbClr val="C0C0C0"/>
+                        </a:highlight>
+                        <a:latin typeface="Calibri" panose="020F0502020204030204" pitchFamily="34" charset="0"/>
+                      </a:endParaRPr>
+                    </a:p>
+                  </a:txBody>
+                  <a:tcPr marL="2000" marR="2000" marT="2000" marB="0" anchor="b"/>
+                </a:tc>
+                <a:tc>
+                  <a:txBody>
+                    <a:bodyPr/>
+                    <a:lstStyle/>
+                    <a:p>
+                      <a:pPr algn="r" fontAlgn="b"/>
+                      <a:r>
+                        <a:rPr lang="en-NL" sz="1100" u="none" strike="noStrike" dirty="0">
+                          <a:effectLst/>
+                          <a:highlight>
+                            <a:srgbClr val="C0C0C0"/>
+                          </a:highlight>
+                        </a:rPr>
+                        <a:t>0.01613</a:t>
+                      </a:r>
+                      <a:endParaRPr lang="en-NL" sz="1100" b="0" i="0" u="none" strike="noStrike" dirty="0">
+                        <a:solidFill>
+                          <a:srgbClr val="000000"/>
+                        </a:solidFill>
+                        <a:effectLst/>
+                        <a:highlight>
+                          <a:srgbClr val="C0C0C0"/>
+                        </a:highlight>
+                        <a:latin typeface="Calibri" panose="020F0502020204030204" pitchFamily="34" charset="0"/>
+                      </a:endParaRPr>
+                    </a:p>
+                  </a:txBody>
+                  <a:tcPr marL="2000" marR="2000" marT="2000" marB="0" anchor="b"/>
+                </a:tc>
+                <a:tc>
+                  <a:txBody>
+                    <a:bodyPr/>
+                    <a:lstStyle/>
+                    <a:p>
+                      <a:pPr algn="r" fontAlgn="b"/>
+                      <a:r>
+                        <a:rPr lang="en-NL" sz="1100" u="none" strike="noStrike">
+                          <a:effectLst/>
+                          <a:highlight>
+                            <a:srgbClr val="C0C0C0"/>
+                          </a:highlight>
+                        </a:rPr>
+                        <a:t>0.016371</a:t>
+                      </a:r>
+                      <a:endParaRPr lang="en-NL" sz="1100" b="0" i="0" u="none" strike="noStrike">
+                        <a:solidFill>
+                          <a:srgbClr val="000000"/>
+                        </a:solidFill>
+                        <a:effectLst/>
+                        <a:highlight>
+                          <a:srgbClr val="C0C0C0"/>
+                        </a:highlight>
+                        <a:latin typeface="Calibri" panose="020F0502020204030204" pitchFamily="34" charset="0"/>
+                      </a:endParaRPr>
+                    </a:p>
+                  </a:txBody>
+                  <a:tcPr marL="2000" marR="2000" marT="2000" marB="0" anchor="b"/>
+                </a:tc>
+                <a:tc>
+                  <a:txBody>
+                    <a:bodyPr/>
+                    <a:lstStyle/>
+                    <a:p>
+                      <a:pPr algn="r" fontAlgn="b"/>
+                      <a:r>
+                        <a:rPr lang="en-NL" sz="1100" u="none" strike="noStrike">
+                          <a:effectLst/>
+                          <a:highlight>
+                            <a:srgbClr val="C0C0C0"/>
+                          </a:highlight>
+                        </a:rPr>
+                        <a:t>0.015893</a:t>
+                      </a:r>
+                      <a:endParaRPr lang="en-NL" sz="1100" b="0" i="0" u="none" strike="noStrike">
+                        <a:solidFill>
+                          <a:srgbClr val="000000"/>
+                        </a:solidFill>
+                        <a:effectLst/>
+                        <a:highlight>
+                          <a:srgbClr val="C0C0C0"/>
+                        </a:highlight>
+                        <a:latin typeface="Calibri" panose="020F0502020204030204" pitchFamily="34" charset="0"/>
+                      </a:endParaRPr>
+                    </a:p>
+                  </a:txBody>
+                  <a:tcPr marL="2000" marR="2000" marT="2000" marB="0" anchor="b"/>
+                </a:tc>
+                <a:extLst>
+                  <a:ext uri="{0D108BD9-81ED-4DB2-BD59-A6C34878D82A}">
+                    <a16:rowId xmlns:a16="http://schemas.microsoft.com/office/drawing/2014/main" val="1613966222"/>
+                  </a:ext>
+                </a:extLst>
+              </a:tr>
+              <a:tr h="215076">
+                <a:tc>
+                  <a:txBody>
+                    <a:bodyPr/>
+                    <a:lstStyle/>
+                    <a:p>
+                      <a:pPr algn="l" fontAlgn="b"/>
+                      <a:r>
+                        <a:rPr lang="en-US" sz="1100" u="none" strike="noStrike">
+                          <a:effectLst/>
+                          <a:highlight>
+                            <a:srgbClr val="C0C0C0"/>
+                          </a:highlight>
+                        </a:rPr>
+                        <a:t>nqx - probability of dying between ages x and x+n</a:t>
+                      </a:r>
+                      <a:endParaRPr lang="en-US" sz="1100" b="0" i="0" u="none" strike="noStrike">
+                        <a:solidFill>
+                          <a:srgbClr val="000000"/>
+                        </a:solidFill>
+                        <a:effectLst/>
+                        <a:highlight>
+                          <a:srgbClr val="C0C0C0"/>
+                        </a:highlight>
+                        <a:latin typeface="Calibri" panose="020F0502020204030204" pitchFamily="34" charset="0"/>
+                      </a:endParaRPr>
+                    </a:p>
+                  </a:txBody>
+                  <a:tcPr marL="2000" marR="2000" marT="2000" marB="0" anchor="b"/>
+                </a:tc>
+                <a:tc>
+                  <a:txBody>
+                    <a:bodyPr/>
+                    <a:lstStyle/>
+                    <a:p>
+                      <a:pPr algn="l" fontAlgn="b"/>
+                      <a:r>
+                        <a:rPr lang="pt-BR" sz="1100" u="none" strike="noStrike">
+                          <a:effectLst/>
+                          <a:highlight>
+                            <a:srgbClr val="C0C0C0"/>
+                          </a:highlight>
+                        </a:rPr>
+                        <a:t>35-39 years</a:t>
+                      </a:r>
+                      <a:endParaRPr lang="pt-BR" sz="1100" b="0" i="0" u="none" strike="noStrike">
+                        <a:solidFill>
+                          <a:srgbClr val="000000"/>
+                        </a:solidFill>
+                        <a:effectLst/>
+                        <a:highlight>
+                          <a:srgbClr val="C0C0C0"/>
+                        </a:highlight>
+                        <a:latin typeface="Calibri" panose="020F0502020204030204" pitchFamily="34" charset="0"/>
+                      </a:endParaRPr>
+                    </a:p>
+                  </a:txBody>
+                  <a:tcPr marL="2000" marR="2000" marT="2000" marB="0" anchor="b"/>
+                </a:tc>
+                <a:tc>
+                  <a:txBody>
+                    <a:bodyPr/>
+                    <a:lstStyle/>
+                    <a:p>
+                      <a:pPr algn="r" fontAlgn="b"/>
+                      <a:r>
+                        <a:rPr lang="en-NL" sz="1100" u="none" strike="noStrike" dirty="0">
+                          <a:effectLst/>
+                          <a:highlight>
+                            <a:srgbClr val="C0C0C0"/>
+                          </a:highlight>
+                        </a:rPr>
+                        <a:t>0.023913</a:t>
+                      </a:r>
+                      <a:endParaRPr lang="en-NL" sz="1100" b="0" i="0" u="none" strike="noStrike" dirty="0">
+                        <a:solidFill>
+                          <a:srgbClr val="000000"/>
+                        </a:solidFill>
+                        <a:effectLst/>
+                        <a:highlight>
+                          <a:srgbClr val="C0C0C0"/>
+                        </a:highlight>
+                        <a:latin typeface="Calibri" panose="020F0502020204030204" pitchFamily="34" charset="0"/>
+                      </a:endParaRPr>
+                    </a:p>
+                  </a:txBody>
+                  <a:tcPr marL="2000" marR="2000" marT="2000" marB="0" anchor="b"/>
+                </a:tc>
+                <a:tc>
+                  <a:txBody>
+                    <a:bodyPr/>
+                    <a:lstStyle/>
+                    <a:p>
+                      <a:pPr algn="r" fontAlgn="b"/>
+                      <a:r>
+                        <a:rPr lang="en-NL" sz="1100" u="none" strike="noStrike">
+                          <a:effectLst/>
+                          <a:highlight>
+                            <a:srgbClr val="C0C0C0"/>
+                          </a:highlight>
+                        </a:rPr>
+                        <a:t>0.025427</a:t>
+                      </a:r>
+                      <a:endParaRPr lang="en-NL" sz="1100" b="0" i="0" u="none" strike="noStrike">
+                        <a:solidFill>
+                          <a:srgbClr val="000000"/>
+                        </a:solidFill>
+                        <a:effectLst/>
+                        <a:highlight>
+                          <a:srgbClr val="C0C0C0"/>
+                        </a:highlight>
+                        <a:latin typeface="Calibri" panose="020F0502020204030204" pitchFamily="34" charset="0"/>
+                      </a:endParaRPr>
+                    </a:p>
+                  </a:txBody>
+                  <a:tcPr marL="2000" marR="2000" marT="2000" marB="0" anchor="b"/>
+                </a:tc>
+                <a:tc>
+                  <a:txBody>
+                    <a:bodyPr/>
+                    <a:lstStyle/>
+                    <a:p>
+                      <a:pPr algn="r" fontAlgn="b"/>
+                      <a:r>
+                        <a:rPr lang="en-NL" sz="1100" u="none" strike="noStrike">
+                          <a:effectLst/>
+                          <a:highlight>
+                            <a:srgbClr val="C0C0C0"/>
+                          </a:highlight>
+                        </a:rPr>
+                        <a:t>0.022429</a:t>
+                      </a:r>
+                      <a:endParaRPr lang="en-NL" sz="1100" b="0" i="0" u="none" strike="noStrike">
+                        <a:solidFill>
+                          <a:srgbClr val="000000"/>
+                        </a:solidFill>
+                        <a:effectLst/>
+                        <a:highlight>
+                          <a:srgbClr val="C0C0C0"/>
+                        </a:highlight>
+                        <a:latin typeface="Calibri" panose="020F0502020204030204" pitchFamily="34" charset="0"/>
+                      </a:endParaRPr>
+                    </a:p>
+                  </a:txBody>
+                  <a:tcPr marL="2000" marR="2000" marT="2000" marB="0" anchor="b"/>
+                </a:tc>
+                <a:extLst>
+                  <a:ext uri="{0D108BD9-81ED-4DB2-BD59-A6C34878D82A}">
+                    <a16:rowId xmlns:a16="http://schemas.microsoft.com/office/drawing/2014/main" val="2377217759"/>
+                  </a:ext>
+                </a:extLst>
+              </a:tr>
+              <a:tr h="215076">
+                <a:tc>
+                  <a:txBody>
+                    <a:bodyPr/>
+                    <a:lstStyle/>
+                    <a:p>
+                      <a:pPr algn="l" fontAlgn="b"/>
+                      <a:r>
+                        <a:rPr lang="en-US" sz="1100" u="none" strike="noStrike">
+                          <a:effectLst/>
+                          <a:highlight>
+                            <a:srgbClr val="C0C0C0"/>
+                          </a:highlight>
+                        </a:rPr>
+                        <a:t>nqx - probability of dying between ages x and x+n</a:t>
+                      </a:r>
+                      <a:endParaRPr lang="en-US" sz="1100" b="0" i="0" u="none" strike="noStrike">
+                        <a:solidFill>
+                          <a:srgbClr val="000000"/>
+                        </a:solidFill>
+                        <a:effectLst/>
+                        <a:highlight>
+                          <a:srgbClr val="C0C0C0"/>
+                        </a:highlight>
+                        <a:latin typeface="Calibri" panose="020F0502020204030204" pitchFamily="34" charset="0"/>
+                      </a:endParaRPr>
+                    </a:p>
+                  </a:txBody>
+                  <a:tcPr marL="2000" marR="2000" marT="2000" marB="0" anchor="b"/>
+                </a:tc>
+                <a:tc>
+                  <a:txBody>
+                    <a:bodyPr/>
+                    <a:lstStyle/>
+                    <a:p>
+                      <a:pPr algn="l" fontAlgn="b"/>
+                      <a:r>
+                        <a:rPr lang="pt-BR" sz="1100" u="none" strike="noStrike">
+                          <a:effectLst/>
+                          <a:highlight>
+                            <a:srgbClr val="C0C0C0"/>
+                          </a:highlight>
+                        </a:rPr>
+                        <a:t>40-44 years</a:t>
+                      </a:r>
+                      <a:endParaRPr lang="pt-BR" sz="1100" b="0" i="0" u="none" strike="noStrike">
+                        <a:solidFill>
+                          <a:srgbClr val="000000"/>
+                        </a:solidFill>
+                        <a:effectLst/>
+                        <a:highlight>
+                          <a:srgbClr val="C0C0C0"/>
+                        </a:highlight>
+                        <a:latin typeface="Calibri" panose="020F0502020204030204" pitchFamily="34" charset="0"/>
+                      </a:endParaRPr>
+                    </a:p>
+                  </a:txBody>
+                  <a:tcPr marL="2000" marR="2000" marT="2000" marB="0" anchor="b"/>
+                </a:tc>
+                <a:tc>
+                  <a:txBody>
+                    <a:bodyPr/>
+                    <a:lstStyle/>
+                    <a:p>
+                      <a:pPr algn="r" fontAlgn="b"/>
+                      <a:r>
+                        <a:rPr lang="en-NL" sz="1100" u="none" strike="noStrike" dirty="0">
+                          <a:effectLst/>
+                          <a:highlight>
+                            <a:srgbClr val="C0C0C0"/>
+                          </a:highlight>
+                        </a:rPr>
+                        <a:t>0.034011</a:t>
+                      </a:r>
+                      <a:endParaRPr lang="en-NL" sz="1100" b="0" i="0" u="none" strike="noStrike" dirty="0">
+                        <a:solidFill>
+                          <a:srgbClr val="000000"/>
+                        </a:solidFill>
+                        <a:effectLst/>
+                        <a:highlight>
+                          <a:srgbClr val="C0C0C0"/>
+                        </a:highlight>
+                        <a:latin typeface="Calibri" panose="020F0502020204030204" pitchFamily="34" charset="0"/>
+                      </a:endParaRPr>
+                    </a:p>
+                  </a:txBody>
+                  <a:tcPr marL="2000" marR="2000" marT="2000" marB="0" anchor="b"/>
+                </a:tc>
+                <a:tc>
+                  <a:txBody>
+                    <a:bodyPr/>
+                    <a:lstStyle/>
+                    <a:p>
+                      <a:pPr algn="r" fontAlgn="b"/>
+                      <a:r>
+                        <a:rPr lang="en-NL" sz="1100" u="none" strike="noStrike">
+                          <a:effectLst/>
+                          <a:highlight>
+                            <a:srgbClr val="C0C0C0"/>
+                          </a:highlight>
+                        </a:rPr>
+                        <a:t>0.037654</a:t>
+                      </a:r>
+                      <a:endParaRPr lang="en-NL" sz="1100" b="0" i="0" u="none" strike="noStrike">
+                        <a:solidFill>
+                          <a:srgbClr val="000000"/>
+                        </a:solidFill>
+                        <a:effectLst/>
+                        <a:highlight>
+                          <a:srgbClr val="C0C0C0"/>
+                        </a:highlight>
+                        <a:latin typeface="Calibri" panose="020F0502020204030204" pitchFamily="34" charset="0"/>
+                      </a:endParaRPr>
+                    </a:p>
+                  </a:txBody>
+                  <a:tcPr marL="2000" marR="2000" marT="2000" marB="0" anchor="b"/>
+                </a:tc>
+                <a:tc>
+                  <a:txBody>
+                    <a:bodyPr/>
+                    <a:lstStyle/>
+                    <a:p>
+                      <a:pPr algn="r" fontAlgn="b"/>
+                      <a:r>
+                        <a:rPr lang="en-NL" sz="1100" u="none" strike="noStrike">
+                          <a:effectLst/>
+                          <a:highlight>
+                            <a:srgbClr val="C0C0C0"/>
+                          </a:highlight>
+                        </a:rPr>
+                        <a:t>0.030441</a:t>
+                      </a:r>
+                      <a:endParaRPr lang="en-NL" sz="1100" b="0" i="0" u="none" strike="noStrike">
+                        <a:solidFill>
+                          <a:srgbClr val="000000"/>
+                        </a:solidFill>
+                        <a:effectLst/>
+                        <a:highlight>
+                          <a:srgbClr val="C0C0C0"/>
+                        </a:highlight>
+                        <a:latin typeface="Calibri" panose="020F0502020204030204" pitchFamily="34" charset="0"/>
+                      </a:endParaRPr>
+                    </a:p>
+                  </a:txBody>
+                  <a:tcPr marL="2000" marR="2000" marT="2000" marB="0" anchor="b"/>
+                </a:tc>
+                <a:extLst>
+                  <a:ext uri="{0D108BD9-81ED-4DB2-BD59-A6C34878D82A}">
+                    <a16:rowId xmlns:a16="http://schemas.microsoft.com/office/drawing/2014/main" val="2504541479"/>
+                  </a:ext>
+                </a:extLst>
+              </a:tr>
+              <a:tr h="215076">
+                <a:tc>
+                  <a:txBody>
+                    <a:bodyPr/>
+                    <a:lstStyle/>
+                    <a:p>
+                      <a:pPr algn="l" fontAlgn="b"/>
+                      <a:r>
+                        <a:rPr lang="en-US" sz="1100" u="none" strike="noStrike">
+                          <a:effectLst/>
+                          <a:highlight>
+                            <a:srgbClr val="C0C0C0"/>
+                          </a:highlight>
+                        </a:rPr>
+                        <a:t>nqx - probability of dying between ages x and x+n</a:t>
+                      </a:r>
+                      <a:endParaRPr lang="en-US" sz="1100" b="0" i="0" u="none" strike="noStrike">
+                        <a:solidFill>
+                          <a:srgbClr val="000000"/>
+                        </a:solidFill>
+                        <a:effectLst/>
+                        <a:highlight>
+                          <a:srgbClr val="C0C0C0"/>
+                        </a:highlight>
+                        <a:latin typeface="Calibri" panose="020F0502020204030204" pitchFamily="34" charset="0"/>
+                      </a:endParaRPr>
+                    </a:p>
+                  </a:txBody>
+                  <a:tcPr marL="2000" marR="2000" marT="2000" marB="0" anchor="b"/>
+                </a:tc>
+                <a:tc>
+                  <a:txBody>
+                    <a:bodyPr/>
+                    <a:lstStyle/>
+                    <a:p>
+                      <a:pPr algn="l" fontAlgn="b"/>
+                      <a:r>
+                        <a:rPr lang="pt-BR" sz="1100" u="none" strike="noStrike">
+                          <a:effectLst/>
+                          <a:highlight>
+                            <a:srgbClr val="C0C0C0"/>
+                          </a:highlight>
+                        </a:rPr>
+                        <a:t>45-49 years</a:t>
+                      </a:r>
+                      <a:endParaRPr lang="pt-BR" sz="1100" b="0" i="0" u="none" strike="noStrike">
+                        <a:solidFill>
+                          <a:srgbClr val="000000"/>
+                        </a:solidFill>
+                        <a:effectLst/>
+                        <a:highlight>
+                          <a:srgbClr val="C0C0C0"/>
+                        </a:highlight>
+                        <a:latin typeface="Calibri" panose="020F0502020204030204" pitchFamily="34" charset="0"/>
+                      </a:endParaRPr>
+                    </a:p>
+                  </a:txBody>
+                  <a:tcPr marL="2000" marR="2000" marT="2000" marB="0" anchor="b"/>
+                </a:tc>
+                <a:tc>
+                  <a:txBody>
+                    <a:bodyPr/>
+                    <a:lstStyle/>
+                    <a:p>
+                      <a:pPr algn="r" fontAlgn="b"/>
+                      <a:r>
+                        <a:rPr lang="en-NL" sz="1100" u="none" strike="noStrike">
+                          <a:effectLst/>
+                          <a:highlight>
+                            <a:srgbClr val="C0C0C0"/>
+                          </a:highlight>
+                        </a:rPr>
+                        <a:t>0.045804</a:t>
+                      </a:r>
+                      <a:endParaRPr lang="en-NL" sz="1100" b="0" i="0" u="none" strike="noStrike">
+                        <a:solidFill>
+                          <a:srgbClr val="000000"/>
+                        </a:solidFill>
+                        <a:effectLst/>
+                        <a:highlight>
+                          <a:srgbClr val="C0C0C0"/>
+                        </a:highlight>
+                        <a:latin typeface="Calibri" panose="020F0502020204030204" pitchFamily="34" charset="0"/>
+                      </a:endParaRPr>
+                    </a:p>
+                  </a:txBody>
+                  <a:tcPr marL="2000" marR="2000" marT="2000" marB="0" anchor="b"/>
+                </a:tc>
+                <a:tc>
+                  <a:txBody>
+                    <a:bodyPr/>
+                    <a:lstStyle/>
+                    <a:p>
+                      <a:pPr algn="r" fontAlgn="b"/>
+                      <a:r>
+                        <a:rPr lang="en-NL" sz="1100" u="none" strike="noStrike" dirty="0">
+                          <a:effectLst/>
+                          <a:highlight>
+                            <a:srgbClr val="C0C0C0"/>
+                          </a:highlight>
+                        </a:rPr>
+                        <a:t>0.052389</a:t>
+                      </a:r>
+                      <a:endParaRPr lang="en-NL" sz="1100" b="0" i="0" u="none" strike="noStrike" dirty="0">
+                        <a:solidFill>
+                          <a:srgbClr val="000000"/>
+                        </a:solidFill>
+                        <a:effectLst/>
+                        <a:highlight>
+                          <a:srgbClr val="C0C0C0"/>
+                        </a:highlight>
+                        <a:latin typeface="Calibri" panose="020F0502020204030204" pitchFamily="34" charset="0"/>
+                      </a:endParaRPr>
+                    </a:p>
+                  </a:txBody>
+                  <a:tcPr marL="2000" marR="2000" marT="2000" marB="0" anchor="b"/>
+                </a:tc>
+                <a:tc>
+                  <a:txBody>
+                    <a:bodyPr/>
+                    <a:lstStyle/>
+                    <a:p>
+                      <a:pPr algn="r" fontAlgn="b"/>
+                      <a:r>
+                        <a:rPr lang="en-NL" sz="1100" u="none" strike="noStrike">
+                          <a:effectLst/>
+                          <a:highlight>
+                            <a:srgbClr val="C0C0C0"/>
+                          </a:highlight>
+                        </a:rPr>
+                        <a:t>0.039376</a:t>
+                      </a:r>
+                      <a:endParaRPr lang="en-NL" sz="1100" b="0" i="0" u="none" strike="noStrike">
+                        <a:solidFill>
+                          <a:srgbClr val="000000"/>
+                        </a:solidFill>
+                        <a:effectLst/>
+                        <a:highlight>
+                          <a:srgbClr val="C0C0C0"/>
+                        </a:highlight>
+                        <a:latin typeface="Calibri" panose="020F0502020204030204" pitchFamily="34" charset="0"/>
+                      </a:endParaRPr>
+                    </a:p>
+                  </a:txBody>
+                  <a:tcPr marL="2000" marR="2000" marT="2000" marB="0" anchor="b"/>
+                </a:tc>
+                <a:extLst>
+                  <a:ext uri="{0D108BD9-81ED-4DB2-BD59-A6C34878D82A}">
+                    <a16:rowId xmlns:a16="http://schemas.microsoft.com/office/drawing/2014/main" val="1363314710"/>
+                  </a:ext>
+                </a:extLst>
+              </a:tr>
+              <a:tr h="215076">
+                <a:tc>
+                  <a:txBody>
+                    <a:bodyPr/>
+                    <a:lstStyle/>
+                    <a:p>
+                      <a:pPr algn="l" fontAlgn="b"/>
+                      <a:r>
+                        <a:rPr lang="en-US" sz="1100" u="none" strike="noStrike">
+                          <a:effectLst/>
+                          <a:highlight>
+                            <a:srgbClr val="C0C0C0"/>
+                          </a:highlight>
+                        </a:rPr>
+                        <a:t>nqx - probability of dying between ages x and x+n</a:t>
+                      </a:r>
+                      <a:endParaRPr lang="en-US" sz="1100" b="0" i="0" u="none" strike="noStrike">
+                        <a:solidFill>
+                          <a:srgbClr val="000000"/>
+                        </a:solidFill>
+                        <a:effectLst/>
+                        <a:highlight>
+                          <a:srgbClr val="C0C0C0"/>
+                        </a:highlight>
+                        <a:latin typeface="Calibri" panose="020F0502020204030204" pitchFamily="34" charset="0"/>
+                      </a:endParaRPr>
+                    </a:p>
+                  </a:txBody>
+                  <a:tcPr marL="2000" marR="2000" marT="2000" marB="0" anchor="b"/>
+                </a:tc>
+                <a:tc>
+                  <a:txBody>
+                    <a:bodyPr/>
+                    <a:lstStyle/>
+                    <a:p>
+                      <a:pPr algn="l" fontAlgn="b"/>
+                      <a:r>
+                        <a:rPr lang="pt-BR" sz="1100" u="none" strike="noStrike">
+                          <a:effectLst/>
+                          <a:highlight>
+                            <a:srgbClr val="C0C0C0"/>
+                          </a:highlight>
+                        </a:rPr>
+                        <a:t>50-54 years</a:t>
+                      </a:r>
+                      <a:endParaRPr lang="pt-BR" sz="1100" b="0" i="0" u="none" strike="noStrike">
+                        <a:solidFill>
+                          <a:srgbClr val="000000"/>
+                        </a:solidFill>
+                        <a:effectLst/>
+                        <a:highlight>
+                          <a:srgbClr val="C0C0C0"/>
+                        </a:highlight>
+                        <a:latin typeface="Calibri" panose="020F0502020204030204" pitchFamily="34" charset="0"/>
+                      </a:endParaRPr>
+                    </a:p>
+                  </a:txBody>
+                  <a:tcPr marL="2000" marR="2000" marT="2000" marB="0" anchor="b"/>
+                </a:tc>
+                <a:tc>
+                  <a:txBody>
+                    <a:bodyPr/>
+                    <a:lstStyle/>
+                    <a:p>
+                      <a:pPr algn="r" fontAlgn="b"/>
+                      <a:r>
+                        <a:rPr lang="en-NL" sz="1100" u="none" strike="noStrike">
+                          <a:effectLst/>
+                          <a:highlight>
+                            <a:srgbClr val="C0C0C0"/>
+                          </a:highlight>
+                        </a:rPr>
+                        <a:t>0.059453</a:t>
+                      </a:r>
+                      <a:endParaRPr lang="en-NL" sz="1100" b="0" i="0" u="none" strike="noStrike">
+                        <a:solidFill>
+                          <a:srgbClr val="000000"/>
+                        </a:solidFill>
+                        <a:effectLst/>
+                        <a:highlight>
+                          <a:srgbClr val="C0C0C0"/>
+                        </a:highlight>
+                        <a:latin typeface="Calibri" panose="020F0502020204030204" pitchFamily="34" charset="0"/>
+                      </a:endParaRPr>
+                    </a:p>
+                  </a:txBody>
+                  <a:tcPr marL="2000" marR="2000" marT="2000" marB="0" anchor="b"/>
+                </a:tc>
+                <a:tc>
+                  <a:txBody>
+                    <a:bodyPr/>
+                    <a:lstStyle/>
+                    <a:p>
+                      <a:pPr algn="r" fontAlgn="b"/>
+                      <a:r>
+                        <a:rPr lang="en-NL" sz="1100" u="none" strike="noStrike" dirty="0">
+                          <a:effectLst/>
+                          <a:highlight>
+                            <a:srgbClr val="C0C0C0"/>
+                          </a:highlight>
+                        </a:rPr>
+                        <a:t>0.070931</a:t>
+                      </a:r>
+                      <a:endParaRPr lang="en-NL" sz="1100" b="0" i="0" u="none" strike="noStrike" dirty="0">
+                        <a:solidFill>
+                          <a:srgbClr val="000000"/>
+                        </a:solidFill>
+                        <a:effectLst/>
+                        <a:highlight>
+                          <a:srgbClr val="C0C0C0"/>
+                        </a:highlight>
+                        <a:latin typeface="Calibri" panose="020F0502020204030204" pitchFamily="34" charset="0"/>
+                      </a:endParaRPr>
+                    </a:p>
+                  </a:txBody>
+                  <a:tcPr marL="2000" marR="2000" marT="2000" marB="0" anchor="b"/>
+                </a:tc>
+                <a:tc>
+                  <a:txBody>
+                    <a:bodyPr/>
+                    <a:lstStyle/>
+                    <a:p>
+                      <a:pPr algn="r" fontAlgn="b"/>
+                      <a:r>
+                        <a:rPr lang="en-NL" sz="1100" u="none" strike="noStrike">
+                          <a:effectLst/>
+                          <a:highlight>
+                            <a:srgbClr val="C0C0C0"/>
+                          </a:highlight>
+                        </a:rPr>
+                        <a:t>0.048429</a:t>
+                      </a:r>
+                      <a:endParaRPr lang="en-NL" sz="1100" b="0" i="0" u="none" strike="noStrike">
+                        <a:solidFill>
+                          <a:srgbClr val="000000"/>
+                        </a:solidFill>
+                        <a:effectLst/>
+                        <a:highlight>
+                          <a:srgbClr val="C0C0C0"/>
+                        </a:highlight>
+                        <a:latin typeface="Calibri" panose="020F0502020204030204" pitchFamily="34" charset="0"/>
+                      </a:endParaRPr>
+                    </a:p>
+                  </a:txBody>
+                  <a:tcPr marL="2000" marR="2000" marT="2000" marB="0" anchor="b"/>
+                </a:tc>
+                <a:extLst>
+                  <a:ext uri="{0D108BD9-81ED-4DB2-BD59-A6C34878D82A}">
+                    <a16:rowId xmlns:a16="http://schemas.microsoft.com/office/drawing/2014/main" val="2279290613"/>
+                  </a:ext>
+                </a:extLst>
+              </a:tr>
+              <a:tr h="215076">
+                <a:tc>
+                  <a:txBody>
+                    <a:bodyPr/>
+                    <a:lstStyle/>
+                    <a:p>
+                      <a:pPr algn="l" fontAlgn="b"/>
+                      <a:r>
+                        <a:rPr lang="en-US" sz="1100" u="none" strike="noStrike">
+                          <a:effectLst/>
+                          <a:highlight>
+                            <a:srgbClr val="C0C0C0"/>
+                          </a:highlight>
+                        </a:rPr>
+                        <a:t>nqx - probability of dying between ages x and x+n</a:t>
+                      </a:r>
+                      <a:endParaRPr lang="en-US" sz="1100" b="0" i="0" u="none" strike="noStrike">
+                        <a:solidFill>
+                          <a:srgbClr val="000000"/>
+                        </a:solidFill>
+                        <a:effectLst/>
+                        <a:highlight>
+                          <a:srgbClr val="C0C0C0"/>
+                        </a:highlight>
+                        <a:latin typeface="Calibri" panose="020F0502020204030204" pitchFamily="34" charset="0"/>
+                      </a:endParaRPr>
+                    </a:p>
+                  </a:txBody>
+                  <a:tcPr marL="2000" marR="2000" marT="2000" marB="0" anchor="b"/>
+                </a:tc>
+                <a:tc>
+                  <a:txBody>
+                    <a:bodyPr/>
+                    <a:lstStyle/>
+                    <a:p>
+                      <a:pPr algn="l" fontAlgn="b"/>
+                      <a:r>
+                        <a:rPr lang="pt-BR" sz="1100" u="none" strike="noStrike">
+                          <a:effectLst/>
+                          <a:highlight>
+                            <a:srgbClr val="C0C0C0"/>
+                          </a:highlight>
+                        </a:rPr>
+                        <a:t>55-59 years</a:t>
+                      </a:r>
+                      <a:endParaRPr lang="pt-BR" sz="1100" b="0" i="0" u="none" strike="noStrike">
+                        <a:solidFill>
+                          <a:srgbClr val="000000"/>
+                        </a:solidFill>
+                        <a:effectLst/>
+                        <a:highlight>
+                          <a:srgbClr val="C0C0C0"/>
+                        </a:highlight>
+                        <a:latin typeface="Calibri" panose="020F0502020204030204" pitchFamily="34" charset="0"/>
+                      </a:endParaRPr>
+                    </a:p>
+                  </a:txBody>
+                  <a:tcPr marL="2000" marR="2000" marT="2000" marB="0" anchor="b"/>
+                </a:tc>
+                <a:tc>
+                  <a:txBody>
+                    <a:bodyPr/>
+                    <a:lstStyle/>
+                    <a:p>
+                      <a:pPr algn="r" fontAlgn="b"/>
+                      <a:r>
+                        <a:rPr lang="en-NL" sz="1100" u="none" strike="noStrike">
+                          <a:effectLst/>
+                          <a:highlight>
+                            <a:srgbClr val="C0C0C0"/>
+                          </a:highlight>
+                        </a:rPr>
+                        <a:t>0.076052</a:t>
+                      </a:r>
+                      <a:endParaRPr lang="en-NL" sz="1100" b="0" i="0" u="none" strike="noStrike">
+                        <a:solidFill>
+                          <a:srgbClr val="000000"/>
+                        </a:solidFill>
+                        <a:effectLst/>
+                        <a:highlight>
+                          <a:srgbClr val="C0C0C0"/>
+                        </a:highlight>
+                        <a:latin typeface="Calibri" panose="020F0502020204030204" pitchFamily="34" charset="0"/>
+                      </a:endParaRPr>
+                    </a:p>
+                  </a:txBody>
+                  <a:tcPr marL="2000" marR="2000" marT="2000" marB="0" anchor="b"/>
+                </a:tc>
+                <a:tc>
+                  <a:txBody>
+                    <a:bodyPr/>
+                    <a:lstStyle/>
+                    <a:p>
+                      <a:pPr algn="r" fontAlgn="b"/>
+                      <a:r>
+                        <a:rPr lang="en-NL" sz="1100" u="none" strike="noStrike" dirty="0">
+                          <a:effectLst/>
+                          <a:highlight>
+                            <a:srgbClr val="C0C0C0"/>
+                          </a:highlight>
+                        </a:rPr>
+                        <a:t>0.094529</a:t>
+                      </a:r>
+                      <a:endParaRPr lang="en-NL" sz="1100" b="0" i="0" u="none" strike="noStrike" dirty="0">
+                        <a:solidFill>
+                          <a:srgbClr val="000000"/>
+                        </a:solidFill>
+                        <a:effectLst/>
+                        <a:highlight>
+                          <a:srgbClr val="C0C0C0"/>
+                        </a:highlight>
+                        <a:latin typeface="Calibri" panose="020F0502020204030204" pitchFamily="34" charset="0"/>
+                      </a:endParaRPr>
+                    </a:p>
+                  </a:txBody>
+                  <a:tcPr marL="2000" marR="2000" marT="2000" marB="0" anchor="b"/>
+                </a:tc>
+                <a:tc>
+                  <a:txBody>
+                    <a:bodyPr/>
+                    <a:lstStyle/>
+                    <a:p>
+                      <a:pPr algn="r" fontAlgn="b"/>
+                      <a:r>
+                        <a:rPr lang="en-NL" sz="1100" u="none" strike="noStrike">
+                          <a:effectLst/>
+                          <a:highlight>
+                            <a:srgbClr val="C0C0C0"/>
+                          </a:highlight>
+                        </a:rPr>
+                        <a:t>0.05893</a:t>
+                      </a:r>
+                      <a:endParaRPr lang="en-NL" sz="1100" b="0" i="0" u="none" strike="noStrike">
+                        <a:solidFill>
+                          <a:srgbClr val="000000"/>
+                        </a:solidFill>
+                        <a:effectLst/>
+                        <a:highlight>
+                          <a:srgbClr val="C0C0C0"/>
+                        </a:highlight>
+                        <a:latin typeface="Calibri" panose="020F0502020204030204" pitchFamily="34" charset="0"/>
+                      </a:endParaRPr>
+                    </a:p>
+                  </a:txBody>
+                  <a:tcPr marL="2000" marR="2000" marT="2000" marB="0" anchor="b"/>
+                </a:tc>
+                <a:extLst>
+                  <a:ext uri="{0D108BD9-81ED-4DB2-BD59-A6C34878D82A}">
+                    <a16:rowId xmlns:a16="http://schemas.microsoft.com/office/drawing/2014/main" val="346867916"/>
+                  </a:ext>
+                </a:extLst>
+              </a:tr>
+              <a:tr h="215076">
+                <a:tc>
+                  <a:txBody>
+                    <a:bodyPr/>
+                    <a:lstStyle/>
+                    <a:p>
+                      <a:pPr algn="l" fontAlgn="b"/>
+                      <a:r>
+                        <a:rPr lang="en-US" sz="1100" u="none" strike="noStrike">
+                          <a:effectLst/>
+                          <a:highlight>
+                            <a:srgbClr val="C0C0C0"/>
+                          </a:highlight>
+                        </a:rPr>
+                        <a:t>nqx - probability of dying between ages x and x+n</a:t>
+                      </a:r>
+                      <a:endParaRPr lang="en-US" sz="1100" b="0" i="0" u="none" strike="noStrike">
+                        <a:solidFill>
+                          <a:srgbClr val="000000"/>
+                        </a:solidFill>
+                        <a:effectLst/>
+                        <a:highlight>
+                          <a:srgbClr val="C0C0C0"/>
+                        </a:highlight>
+                        <a:latin typeface="Calibri" panose="020F0502020204030204" pitchFamily="34" charset="0"/>
+                      </a:endParaRPr>
+                    </a:p>
+                  </a:txBody>
+                  <a:tcPr marL="2000" marR="2000" marT="2000" marB="0" anchor="b"/>
+                </a:tc>
+                <a:tc>
+                  <a:txBody>
+                    <a:bodyPr/>
+                    <a:lstStyle/>
+                    <a:p>
+                      <a:pPr algn="l" fontAlgn="b"/>
+                      <a:r>
+                        <a:rPr lang="pt-BR" sz="1100" u="none" strike="noStrike">
+                          <a:effectLst/>
+                          <a:highlight>
+                            <a:srgbClr val="C0C0C0"/>
+                          </a:highlight>
+                        </a:rPr>
+                        <a:t>60-64 years</a:t>
+                      </a:r>
+                      <a:endParaRPr lang="pt-BR" sz="1100" b="0" i="0" u="none" strike="noStrike">
+                        <a:solidFill>
+                          <a:srgbClr val="000000"/>
+                        </a:solidFill>
+                        <a:effectLst/>
+                        <a:highlight>
+                          <a:srgbClr val="C0C0C0"/>
+                        </a:highlight>
+                        <a:latin typeface="Calibri" panose="020F0502020204030204" pitchFamily="34" charset="0"/>
+                      </a:endParaRPr>
+                    </a:p>
+                  </a:txBody>
+                  <a:tcPr marL="2000" marR="2000" marT="2000" marB="0" anchor="b"/>
+                </a:tc>
+                <a:tc>
+                  <a:txBody>
+                    <a:bodyPr/>
+                    <a:lstStyle/>
+                    <a:p>
+                      <a:pPr algn="r" fontAlgn="b"/>
+                      <a:r>
+                        <a:rPr lang="en-NL" sz="1100" u="none" strike="noStrike">
+                          <a:effectLst/>
+                          <a:highlight>
+                            <a:srgbClr val="C0C0C0"/>
+                          </a:highlight>
+                        </a:rPr>
+                        <a:t>0.10423</a:t>
+                      </a:r>
+                      <a:endParaRPr lang="en-NL" sz="1100" b="0" i="0" u="none" strike="noStrike">
+                        <a:solidFill>
+                          <a:srgbClr val="000000"/>
+                        </a:solidFill>
+                        <a:effectLst/>
+                        <a:highlight>
+                          <a:srgbClr val="C0C0C0"/>
+                        </a:highlight>
+                        <a:latin typeface="Calibri" panose="020F0502020204030204" pitchFamily="34" charset="0"/>
+                      </a:endParaRPr>
+                    </a:p>
+                  </a:txBody>
+                  <a:tcPr marL="2000" marR="2000" marT="2000" marB="0" anchor="b"/>
+                </a:tc>
+                <a:tc>
+                  <a:txBody>
+                    <a:bodyPr/>
+                    <a:lstStyle/>
+                    <a:p>
+                      <a:pPr algn="r" fontAlgn="b"/>
+                      <a:r>
+                        <a:rPr lang="en-NL" sz="1100" u="none" strike="noStrike" dirty="0">
+                          <a:effectLst/>
+                          <a:highlight>
+                            <a:srgbClr val="C0C0C0"/>
+                          </a:highlight>
+                        </a:rPr>
+                        <a:t>0.131324</a:t>
+                      </a:r>
+                      <a:endParaRPr lang="en-NL" sz="1100" b="0" i="0" u="none" strike="noStrike" dirty="0">
+                        <a:solidFill>
+                          <a:srgbClr val="000000"/>
+                        </a:solidFill>
+                        <a:effectLst/>
+                        <a:highlight>
+                          <a:srgbClr val="C0C0C0"/>
+                        </a:highlight>
+                        <a:latin typeface="Calibri" panose="020F0502020204030204" pitchFamily="34" charset="0"/>
+                      </a:endParaRPr>
+                    </a:p>
+                  </a:txBody>
+                  <a:tcPr marL="2000" marR="2000" marT="2000" marB="0" anchor="b"/>
+                </a:tc>
+                <a:tc>
+                  <a:txBody>
+                    <a:bodyPr/>
+                    <a:lstStyle/>
+                    <a:p>
+                      <a:pPr algn="r" fontAlgn="b"/>
+                      <a:r>
+                        <a:rPr lang="en-NL" sz="1100" u="none" strike="noStrike">
+                          <a:effectLst/>
+                          <a:highlight>
+                            <a:srgbClr val="C0C0C0"/>
+                          </a:highlight>
+                        </a:rPr>
+                        <a:t>0.080406</a:t>
+                      </a:r>
+                      <a:endParaRPr lang="en-NL" sz="1100" b="0" i="0" u="none" strike="noStrike">
+                        <a:solidFill>
+                          <a:srgbClr val="000000"/>
+                        </a:solidFill>
+                        <a:effectLst/>
+                        <a:highlight>
+                          <a:srgbClr val="C0C0C0"/>
+                        </a:highlight>
+                        <a:latin typeface="Calibri" panose="020F0502020204030204" pitchFamily="34" charset="0"/>
+                      </a:endParaRPr>
+                    </a:p>
+                  </a:txBody>
+                  <a:tcPr marL="2000" marR="2000" marT="2000" marB="0" anchor="b"/>
+                </a:tc>
+                <a:extLst>
+                  <a:ext uri="{0D108BD9-81ED-4DB2-BD59-A6C34878D82A}">
+                    <a16:rowId xmlns:a16="http://schemas.microsoft.com/office/drawing/2014/main" val="3336841178"/>
+                  </a:ext>
+                </a:extLst>
+              </a:tr>
+              <a:tr h="215076">
+                <a:tc>
+                  <a:txBody>
+                    <a:bodyPr/>
+                    <a:lstStyle/>
+                    <a:p>
+                      <a:pPr algn="l" fontAlgn="b"/>
+                      <a:r>
+                        <a:rPr lang="en-US" sz="1100" u="none" strike="noStrike">
+                          <a:effectLst/>
+                          <a:highlight>
+                            <a:srgbClr val="C0C0C0"/>
+                          </a:highlight>
+                        </a:rPr>
+                        <a:t>nqx - probability of dying between ages x and x+n</a:t>
+                      </a:r>
+                      <a:endParaRPr lang="en-US" sz="1100" b="0" i="0" u="none" strike="noStrike">
+                        <a:solidFill>
+                          <a:srgbClr val="000000"/>
+                        </a:solidFill>
+                        <a:effectLst/>
+                        <a:highlight>
+                          <a:srgbClr val="C0C0C0"/>
+                        </a:highlight>
+                        <a:latin typeface="Calibri" panose="020F0502020204030204" pitchFamily="34" charset="0"/>
+                      </a:endParaRPr>
+                    </a:p>
+                  </a:txBody>
+                  <a:tcPr marL="2000" marR="2000" marT="2000" marB="0" anchor="b"/>
+                </a:tc>
+                <a:tc>
+                  <a:txBody>
+                    <a:bodyPr/>
+                    <a:lstStyle/>
+                    <a:p>
+                      <a:pPr algn="l" fontAlgn="b"/>
+                      <a:r>
+                        <a:rPr lang="pt-BR" sz="1100" u="none" strike="noStrike">
+                          <a:effectLst/>
+                          <a:highlight>
+                            <a:srgbClr val="C0C0C0"/>
+                          </a:highlight>
+                        </a:rPr>
+                        <a:t>65-69 years</a:t>
+                      </a:r>
+                      <a:endParaRPr lang="pt-BR" sz="1100" b="0" i="0" u="none" strike="noStrike">
+                        <a:solidFill>
+                          <a:srgbClr val="000000"/>
+                        </a:solidFill>
+                        <a:effectLst/>
+                        <a:highlight>
+                          <a:srgbClr val="C0C0C0"/>
+                        </a:highlight>
+                        <a:latin typeface="Calibri" panose="020F0502020204030204" pitchFamily="34" charset="0"/>
+                      </a:endParaRPr>
+                    </a:p>
+                  </a:txBody>
+                  <a:tcPr marL="2000" marR="2000" marT="2000" marB="0" anchor="b"/>
+                </a:tc>
+                <a:tc>
+                  <a:txBody>
+                    <a:bodyPr/>
+                    <a:lstStyle/>
+                    <a:p>
+                      <a:pPr algn="r" fontAlgn="b"/>
+                      <a:r>
+                        <a:rPr lang="en-NL" sz="1100" u="none" strike="noStrike">
+                          <a:effectLst/>
+                          <a:highlight>
+                            <a:srgbClr val="C0C0C0"/>
+                          </a:highlight>
+                        </a:rPr>
+                        <a:t>0.144191</a:t>
+                      </a:r>
+                      <a:endParaRPr lang="en-NL" sz="1100" b="0" i="0" u="none" strike="noStrike">
+                        <a:solidFill>
+                          <a:srgbClr val="000000"/>
+                        </a:solidFill>
+                        <a:effectLst/>
+                        <a:highlight>
+                          <a:srgbClr val="C0C0C0"/>
+                        </a:highlight>
+                        <a:latin typeface="Calibri" panose="020F0502020204030204" pitchFamily="34" charset="0"/>
+                      </a:endParaRPr>
+                    </a:p>
+                  </a:txBody>
+                  <a:tcPr marL="2000" marR="2000" marT="2000" marB="0" anchor="b"/>
+                </a:tc>
+                <a:tc>
+                  <a:txBody>
+                    <a:bodyPr/>
+                    <a:lstStyle/>
+                    <a:p>
+                      <a:pPr algn="r" fontAlgn="b"/>
+                      <a:r>
+                        <a:rPr lang="en-NL" sz="1100" u="none" strike="noStrike" dirty="0">
+                          <a:effectLst/>
+                          <a:highlight>
+                            <a:srgbClr val="C0C0C0"/>
+                          </a:highlight>
+                        </a:rPr>
+                        <a:t>0.179452</a:t>
+                      </a:r>
+                      <a:endParaRPr lang="en-NL" sz="1100" b="0" i="0" u="none" strike="noStrike" dirty="0">
+                        <a:solidFill>
+                          <a:srgbClr val="000000"/>
+                        </a:solidFill>
+                        <a:effectLst/>
+                        <a:highlight>
+                          <a:srgbClr val="C0C0C0"/>
+                        </a:highlight>
+                        <a:latin typeface="Calibri" panose="020F0502020204030204" pitchFamily="34" charset="0"/>
+                      </a:endParaRPr>
+                    </a:p>
+                  </a:txBody>
+                  <a:tcPr marL="2000" marR="2000" marT="2000" marB="0" anchor="b"/>
+                </a:tc>
+                <a:tc>
+                  <a:txBody>
+                    <a:bodyPr/>
+                    <a:lstStyle/>
+                    <a:p>
+                      <a:pPr algn="r" fontAlgn="b"/>
+                      <a:r>
+                        <a:rPr lang="en-NL" sz="1100" u="none" strike="noStrike" dirty="0">
+                          <a:effectLst/>
+                          <a:highlight>
+                            <a:srgbClr val="C0C0C0"/>
+                          </a:highlight>
+                        </a:rPr>
+                        <a:t>0.115219</a:t>
+                      </a:r>
+                      <a:endParaRPr lang="en-NL" sz="1100" b="0" i="0" u="none" strike="noStrike" dirty="0">
+                        <a:solidFill>
+                          <a:srgbClr val="000000"/>
+                        </a:solidFill>
+                        <a:effectLst/>
+                        <a:highlight>
+                          <a:srgbClr val="C0C0C0"/>
+                        </a:highlight>
+                        <a:latin typeface="Calibri" panose="020F0502020204030204" pitchFamily="34" charset="0"/>
+                      </a:endParaRPr>
+                    </a:p>
+                  </a:txBody>
+                  <a:tcPr marL="2000" marR="2000" marT="2000" marB="0" anchor="b"/>
+                </a:tc>
+                <a:extLst>
+                  <a:ext uri="{0D108BD9-81ED-4DB2-BD59-A6C34878D82A}">
+                    <a16:rowId xmlns:a16="http://schemas.microsoft.com/office/drawing/2014/main" val="3848487729"/>
+                  </a:ext>
+                </a:extLst>
+              </a:tr>
+              <a:tr h="215076">
+                <a:tc>
+                  <a:txBody>
+                    <a:bodyPr/>
+                    <a:lstStyle/>
+                    <a:p>
+                      <a:pPr algn="l" fontAlgn="b"/>
+                      <a:r>
+                        <a:rPr lang="en-US" sz="1100" u="none" strike="noStrike">
+                          <a:effectLst/>
+                          <a:highlight>
+                            <a:srgbClr val="C0C0C0"/>
+                          </a:highlight>
+                        </a:rPr>
+                        <a:t>nqx - probability of dying between ages x and x+n</a:t>
+                      </a:r>
+                      <a:endParaRPr lang="en-US" sz="1100" b="0" i="0" u="none" strike="noStrike">
+                        <a:solidFill>
+                          <a:srgbClr val="000000"/>
+                        </a:solidFill>
+                        <a:effectLst/>
+                        <a:highlight>
+                          <a:srgbClr val="C0C0C0"/>
+                        </a:highlight>
+                        <a:latin typeface="Calibri" panose="020F0502020204030204" pitchFamily="34" charset="0"/>
+                      </a:endParaRPr>
+                    </a:p>
+                  </a:txBody>
+                  <a:tcPr marL="2000" marR="2000" marT="2000" marB="0" anchor="b"/>
+                </a:tc>
+                <a:tc>
+                  <a:txBody>
+                    <a:bodyPr/>
+                    <a:lstStyle/>
+                    <a:p>
+                      <a:pPr algn="l" fontAlgn="b"/>
+                      <a:r>
+                        <a:rPr lang="pt-BR" sz="1100" u="none" strike="noStrike">
+                          <a:effectLst/>
+                          <a:highlight>
+                            <a:srgbClr val="C0C0C0"/>
+                          </a:highlight>
+                        </a:rPr>
+                        <a:t>70-74 years</a:t>
+                      </a:r>
+                      <a:endParaRPr lang="pt-BR" sz="1100" b="0" i="0" u="none" strike="noStrike">
+                        <a:solidFill>
+                          <a:srgbClr val="000000"/>
+                        </a:solidFill>
+                        <a:effectLst/>
+                        <a:highlight>
+                          <a:srgbClr val="C0C0C0"/>
+                        </a:highlight>
+                        <a:latin typeface="Calibri" panose="020F0502020204030204" pitchFamily="34" charset="0"/>
+                      </a:endParaRPr>
+                    </a:p>
+                  </a:txBody>
+                  <a:tcPr marL="2000" marR="2000" marT="2000" marB="0" anchor="b"/>
+                </a:tc>
+                <a:tc>
+                  <a:txBody>
+                    <a:bodyPr/>
+                    <a:lstStyle/>
+                    <a:p>
+                      <a:pPr algn="r" fontAlgn="b"/>
+                      <a:r>
+                        <a:rPr lang="en-NL" sz="1100" u="none" strike="noStrike">
+                          <a:effectLst/>
+                          <a:highlight>
+                            <a:srgbClr val="C0C0C0"/>
+                          </a:highlight>
+                        </a:rPr>
+                        <a:t>0.212602</a:t>
+                      </a:r>
+                      <a:endParaRPr lang="en-NL" sz="1100" b="0" i="0" u="none" strike="noStrike">
+                        <a:solidFill>
+                          <a:srgbClr val="000000"/>
+                        </a:solidFill>
+                        <a:effectLst/>
+                        <a:highlight>
+                          <a:srgbClr val="C0C0C0"/>
+                        </a:highlight>
+                        <a:latin typeface="Calibri" panose="020F0502020204030204" pitchFamily="34" charset="0"/>
+                      </a:endParaRPr>
+                    </a:p>
+                  </a:txBody>
+                  <a:tcPr marL="2000" marR="2000" marT="2000" marB="0" anchor="b"/>
+                </a:tc>
+                <a:tc>
+                  <a:txBody>
+                    <a:bodyPr/>
+                    <a:lstStyle/>
+                    <a:p>
+                      <a:pPr algn="r" fontAlgn="b"/>
+                      <a:r>
+                        <a:rPr lang="en-NL" sz="1100" u="none" strike="noStrike">
+                          <a:effectLst/>
+                          <a:highlight>
+                            <a:srgbClr val="C0C0C0"/>
+                          </a:highlight>
+                        </a:rPr>
+                        <a:t>0.255346</a:t>
+                      </a:r>
+                      <a:endParaRPr lang="en-NL" sz="1100" b="0" i="0" u="none" strike="noStrike">
+                        <a:solidFill>
+                          <a:srgbClr val="000000"/>
+                        </a:solidFill>
+                        <a:effectLst/>
+                        <a:highlight>
+                          <a:srgbClr val="C0C0C0"/>
+                        </a:highlight>
+                        <a:latin typeface="Calibri" panose="020F0502020204030204" pitchFamily="34" charset="0"/>
+                      </a:endParaRPr>
+                    </a:p>
+                  </a:txBody>
+                  <a:tcPr marL="2000" marR="2000" marT="2000" marB="0" anchor="b"/>
+                </a:tc>
+                <a:tc>
+                  <a:txBody>
+                    <a:bodyPr/>
+                    <a:lstStyle/>
+                    <a:p>
+                      <a:pPr algn="r" fontAlgn="b"/>
+                      <a:r>
+                        <a:rPr lang="en-NL" sz="1100" u="none" strike="noStrike" dirty="0">
+                          <a:effectLst/>
+                          <a:highlight>
+                            <a:srgbClr val="C0C0C0"/>
+                          </a:highlight>
+                        </a:rPr>
+                        <a:t>0.179978</a:t>
+                      </a:r>
+                      <a:endParaRPr lang="en-NL" sz="1100" b="0" i="0" u="none" strike="noStrike" dirty="0">
+                        <a:solidFill>
+                          <a:srgbClr val="000000"/>
+                        </a:solidFill>
+                        <a:effectLst/>
+                        <a:highlight>
+                          <a:srgbClr val="C0C0C0"/>
+                        </a:highlight>
+                        <a:latin typeface="Calibri" panose="020F0502020204030204" pitchFamily="34" charset="0"/>
+                      </a:endParaRPr>
+                    </a:p>
+                  </a:txBody>
+                  <a:tcPr marL="2000" marR="2000" marT="2000" marB="0" anchor="b"/>
+                </a:tc>
+                <a:extLst>
+                  <a:ext uri="{0D108BD9-81ED-4DB2-BD59-A6C34878D82A}">
+                    <a16:rowId xmlns:a16="http://schemas.microsoft.com/office/drawing/2014/main" val="3145047025"/>
+                  </a:ext>
+                </a:extLst>
+              </a:tr>
+              <a:tr h="215076">
+                <a:tc>
+                  <a:txBody>
+                    <a:bodyPr/>
+                    <a:lstStyle/>
+                    <a:p>
+                      <a:pPr algn="l" fontAlgn="b"/>
+                      <a:r>
+                        <a:rPr lang="en-US" sz="1100" u="none" strike="noStrike">
+                          <a:effectLst/>
+                          <a:highlight>
+                            <a:srgbClr val="C0C0C0"/>
+                          </a:highlight>
+                        </a:rPr>
+                        <a:t>nqx - probability of dying between ages x and x+n</a:t>
+                      </a:r>
+                      <a:endParaRPr lang="en-US" sz="1100" b="0" i="0" u="none" strike="noStrike">
+                        <a:solidFill>
+                          <a:srgbClr val="000000"/>
+                        </a:solidFill>
+                        <a:effectLst/>
+                        <a:highlight>
+                          <a:srgbClr val="C0C0C0"/>
+                        </a:highlight>
+                        <a:latin typeface="Calibri" panose="020F0502020204030204" pitchFamily="34" charset="0"/>
+                      </a:endParaRPr>
+                    </a:p>
+                  </a:txBody>
+                  <a:tcPr marL="2000" marR="2000" marT="2000" marB="0" anchor="b"/>
+                </a:tc>
+                <a:tc>
+                  <a:txBody>
+                    <a:bodyPr/>
+                    <a:lstStyle/>
+                    <a:p>
+                      <a:pPr algn="l" fontAlgn="b"/>
+                      <a:r>
+                        <a:rPr lang="pt-BR" sz="1100" u="none" strike="noStrike">
+                          <a:effectLst/>
+                          <a:highlight>
+                            <a:srgbClr val="C0C0C0"/>
+                          </a:highlight>
+                        </a:rPr>
+                        <a:t>75-79 years</a:t>
+                      </a:r>
+                      <a:endParaRPr lang="pt-BR" sz="1100" b="0" i="0" u="none" strike="noStrike">
+                        <a:solidFill>
+                          <a:srgbClr val="000000"/>
+                        </a:solidFill>
+                        <a:effectLst/>
+                        <a:highlight>
+                          <a:srgbClr val="C0C0C0"/>
+                        </a:highlight>
+                        <a:latin typeface="Calibri" panose="020F0502020204030204" pitchFamily="34" charset="0"/>
+                      </a:endParaRPr>
+                    </a:p>
+                  </a:txBody>
+                  <a:tcPr marL="2000" marR="2000" marT="2000" marB="0" anchor="b"/>
+                </a:tc>
+                <a:tc>
+                  <a:txBody>
+                    <a:bodyPr/>
+                    <a:lstStyle/>
+                    <a:p>
+                      <a:pPr algn="r" fontAlgn="b"/>
+                      <a:r>
+                        <a:rPr lang="en-NL" sz="1100" u="none" strike="noStrike">
+                          <a:effectLst/>
+                          <a:highlight>
+                            <a:srgbClr val="C0C0C0"/>
+                          </a:highlight>
+                        </a:rPr>
+                        <a:t>0.306535</a:t>
+                      </a:r>
+                      <a:endParaRPr lang="en-NL" sz="1100" b="0" i="0" u="none" strike="noStrike">
+                        <a:solidFill>
+                          <a:srgbClr val="000000"/>
+                        </a:solidFill>
+                        <a:effectLst/>
+                        <a:highlight>
+                          <a:srgbClr val="C0C0C0"/>
+                        </a:highlight>
+                        <a:latin typeface="Calibri" panose="020F0502020204030204" pitchFamily="34" charset="0"/>
+                      </a:endParaRPr>
+                    </a:p>
+                  </a:txBody>
+                  <a:tcPr marL="2000" marR="2000" marT="2000" marB="0" anchor="b"/>
+                </a:tc>
+                <a:tc>
+                  <a:txBody>
+                    <a:bodyPr/>
+                    <a:lstStyle/>
+                    <a:p>
+                      <a:pPr algn="r" fontAlgn="b"/>
+                      <a:r>
+                        <a:rPr lang="en-NL" sz="1100" u="none" strike="noStrike">
+                          <a:effectLst/>
+                          <a:highlight>
+                            <a:srgbClr val="C0C0C0"/>
+                          </a:highlight>
+                        </a:rPr>
+                        <a:t>0.353963</a:t>
+                      </a:r>
+                      <a:endParaRPr lang="en-NL" sz="1100" b="0" i="0" u="none" strike="noStrike">
+                        <a:solidFill>
+                          <a:srgbClr val="000000"/>
+                        </a:solidFill>
+                        <a:effectLst/>
+                        <a:highlight>
+                          <a:srgbClr val="C0C0C0"/>
+                        </a:highlight>
+                        <a:latin typeface="Calibri" panose="020F0502020204030204" pitchFamily="34" charset="0"/>
+                      </a:endParaRPr>
+                    </a:p>
+                  </a:txBody>
+                  <a:tcPr marL="2000" marR="2000" marT="2000" marB="0" anchor="b"/>
+                </a:tc>
+                <a:tc>
+                  <a:txBody>
+                    <a:bodyPr/>
+                    <a:lstStyle/>
+                    <a:p>
+                      <a:pPr algn="r" fontAlgn="b"/>
+                      <a:r>
+                        <a:rPr lang="en-NL" sz="1100" u="none" strike="noStrike" dirty="0">
+                          <a:effectLst/>
+                          <a:highlight>
+                            <a:srgbClr val="C0C0C0"/>
+                          </a:highlight>
+                        </a:rPr>
+                        <a:t>0.274077</a:t>
+                      </a:r>
+                      <a:endParaRPr lang="en-NL" sz="1100" b="0" i="0" u="none" strike="noStrike" dirty="0">
+                        <a:solidFill>
+                          <a:srgbClr val="000000"/>
+                        </a:solidFill>
+                        <a:effectLst/>
+                        <a:highlight>
+                          <a:srgbClr val="C0C0C0"/>
+                        </a:highlight>
+                        <a:latin typeface="Calibri" panose="020F0502020204030204" pitchFamily="34" charset="0"/>
+                      </a:endParaRPr>
+                    </a:p>
+                  </a:txBody>
+                  <a:tcPr marL="2000" marR="2000" marT="2000" marB="0" anchor="b"/>
+                </a:tc>
+                <a:extLst>
+                  <a:ext uri="{0D108BD9-81ED-4DB2-BD59-A6C34878D82A}">
+                    <a16:rowId xmlns:a16="http://schemas.microsoft.com/office/drawing/2014/main" val="2896253599"/>
+                  </a:ext>
+                </a:extLst>
+              </a:tr>
+              <a:tr h="215076">
+                <a:tc>
+                  <a:txBody>
+                    <a:bodyPr/>
+                    <a:lstStyle/>
+                    <a:p>
+                      <a:pPr algn="l" fontAlgn="b"/>
+                      <a:r>
+                        <a:rPr lang="en-US" sz="1100" u="none" strike="noStrike">
+                          <a:effectLst/>
+                          <a:highlight>
+                            <a:srgbClr val="C0C0C0"/>
+                          </a:highlight>
+                        </a:rPr>
+                        <a:t>nqx - probability of dying between ages x and x+n</a:t>
+                      </a:r>
+                      <a:endParaRPr lang="en-US" sz="1100" b="0" i="0" u="none" strike="noStrike">
+                        <a:solidFill>
+                          <a:srgbClr val="000000"/>
+                        </a:solidFill>
+                        <a:effectLst/>
+                        <a:highlight>
+                          <a:srgbClr val="C0C0C0"/>
+                        </a:highlight>
+                        <a:latin typeface="Calibri" panose="020F0502020204030204" pitchFamily="34" charset="0"/>
+                      </a:endParaRPr>
+                    </a:p>
+                  </a:txBody>
+                  <a:tcPr marL="2000" marR="2000" marT="2000" marB="0" anchor="b"/>
+                </a:tc>
+                <a:tc>
+                  <a:txBody>
+                    <a:bodyPr/>
+                    <a:lstStyle/>
+                    <a:p>
+                      <a:pPr algn="l" fontAlgn="b"/>
+                      <a:r>
+                        <a:rPr lang="pt-BR" sz="1100" u="none" strike="noStrike">
+                          <a:effectLst/>
+                          <a:highlight>
+                            <a:srgbClr val="C0C0C0"/>
+                          </a:highlight>
+                        </a:rPr>
+                        <a:t>80-84 years</a:t>
+                      </a:r>
+                      <a:endParaRPr lang="pt-BR" sz="1100" b="0" i="0" u="none" strike="noStrike">
+                        <a:solidFill>
+                          <a:srgbClr val="000000"/>
+                        </a:solidFill>
+                        <a:effectLst/>
+                        <a:highlight>
+                          <a:srgbClr val="C0C0C0"/>
+                        </a:highlight>
+                        <a:latin typeface="Calibri" panose="020F0502020204030204" pitchFamily="34" charset="0"/>
+                      </a:endParaRPr>
+                    </a:p>
+                  </a:txBody>
+                  <a:tcPr marL="2000" marR="2000" marT="2000" marB="0" anchor="b"/>
+                </a:tc>
+                <a:tc>
+                  <a:txBody>
+                    <a:bodyPr/>
+                    <a:lstStyle/>
+                    <a:p>
+                      <a:pPr algn="r" fontAlgn="b"/>
+                      <a:r>
+                        <a:rPr lang="en-NL" sz="1100" u="none" strike="noStrike">
+                          <a:effectLst/>
+                          <a:highlight>
+                            <a:srgbClr val="C0C0C0"/>
+                          </a:highlight>
+                        </a:rPr>
+                        <a:t>0.439941</a:t>
+                      </a:r>
+                      <a:endParaRPr lang="en-NL" sz="1100" b="0" i="0" u="none" strike="noStrike">
+                        <a:solidFill>
+                          <a:srgbClr val="000000"/>
+                        </a:solidFill>
+                        <a:effectLst/>
+                        <a:highlight>
+                          <a:srgbClr val="C0C0C0"/>
+                        </a:highlight>
+                        <a:latin typeface="Calibri" panose="020F0502020204030204" pitchFamily="34" charset="0"/>
+                      </a:endParaRPr>
+                    </a:p>
+                  </a:txBody>
+                  <a:tcPr marL="2000" marR="2000" marT="2000" marB="0" anchor="b"/>
+                </a:tc>
+                <a:tc>
+                  <a:txBody>
+                    <a:bodyPr/>
+                    <a:lstStyle/>
+                    <a:p>
+                      <a:pPr algn="r" fontAlgn="b"/>
+                      <a:r>
+                        <a:rPr lang="en-NL" sz="1100" u="none" strike="noStrike">
+                          <a:effectLst/>
+                          <a:highlight>
+                            <a:srgbClr val="C0C0C0"/>
+                          </a:highlight>
+                        </a:rPr>
+                        <a:t>0.490045</a:t>
+                      </a:r>
+                      <a:endParaRPr lang="en-NL" sz="1100" b="0" i="0" u="none" strike="noStrike">
+                        <a:solidFill>
+                          <a:srgbClr val="000000"/>
+                        </a:solidFill>
+                        <a:effectLst/>
+                        <a:highlight>
+                          <a:srgbClr val="C0C0C0"/>
+                        </a:highlight>
+                        <a:latin typeface="Calibri" panose="020F0502020204030204" pitchFamily="34" charset="0"/>
+                      </a:endParaRPr>
+                    </a:p>
+                  </a:txBody>
+                  <a:tcPr marL="2000" marR="2000" marT="2000" marB="0" anchor="b"/>
+                </a:tc>
+                <a:tc>
+                  <a:txBody>
+                    <a:bodyPr/>
+                    <a:lstStyle/>
+                    <a:p>
+                      <a:pPr algn="r" fontAlgn="b"/>
+                      <a:r>
+                        <a:rPr lang="en-NL" sz="1100" u="none" strike="noStrike" dirty="0">
+                          <a:effectLst/>
+                          <a:highlight>
+                            <a:srgbClr val="C0C0C0"/>
+                          </a:highlight>
+                        </a:rPr>
+                        <a:t>0.40998</a:t>
+                      </a:r>
+                      <a:endParaRPr lang="en-NL" sz="1100" b="0" i="0" u="none" strike="noStrike" dirty="0">
+                        <a:solidFill>
+                          <a:srgbClr val="000000"/>
+                        </a:solidFill>
+                        <a:effectLst/>
+                        <a:highlight>
+                          <a:srgbClr val="C0C0C0"/>
+                        </a:highlight>
+                        <a:latin typeface="Calibri" panose="020F0502020204030204" pitchFamily="34" charset="0"/>
+                      </a:endParaRPr>
+                    </a:p>
+                  </a:txBody>
+                  <a:tcPr marL="2000" marR="2000" marT="2000" marB="0" anchor="b"/>
+                </a:tc>
+                <a:extLst>
+                  <a:ext uri="{0D108BD9-81ED-4DB2-BD59-A6C34878D82A}">
+                    <a16:rowId xmlns:a16="http://schemas.microsoft.com/office/drawing/2014/main" val="3199144039"/>
+                  </a:ext>
+                </a:extLst>
+              </a:tr>
+              <a:tr h="215076">
+                <a:tc>
+                  <a:txBody>
+                    <a:bodyPr/>
+                    <a:lstStyle/>
+                    <a:p>
+                      <a:pPr algn="l" fontAlgn="b"/>
+                      <a:r>
+                        <a:rPr lang="en-US" sz="1100" u="none" strike="noStrike">
+                          <a:effectLst/>
+                          <a:highlight>
+                            <a:srgbClr val="C0C0C0"/>
+                          </a:highlight>
+                        </a:rPr>
+                        <a:t>nqx - probability of dying between ages x and x+n</a:t>
+                      </a:r>
+                      <a:endParaRPr lang="en-US" sz="1100" b="0" i="0" u="none" strike="noStrike">
+                        <a:solidFill>
+                          <a:srgbClr val="000000"/>
+                        </a:solidFill>
+                        <a:effectLst/>
+                        <a:highlight>
+                          <a:srgbClr val="C0C0C0"/>
+                        </a:highlight>
+                        <a:latin typeface="Calibri" panose="020F0502020204030204" pitchFamily="34" charset="0"/>
+                      </a:endParaRPr>
+                    </a:p>
+                  </a:txBody>
+                  <a:tcPr marL="2000" marR="2000" marT="2000" marB="0" anchor="b"/>
+                </a:tc>
+                <a:tc>
+                  <a:txBody>
+                    <a:bodyPr/>
+                    <a:lstStyle/>
+                    <a:p>
+                      <a:pPr algn="l" fontAlgn="b"/>
+                      <a:r>
+                        <a:rPr lang="pt-BR" sz="1100" u="none" strike="noStrike">
+                          <a:effectLst/>
+                          <a:highlight>
+                            <a:srgbClr val="C0C0C0"/>
+                          </a:highlight>
+                        </a:rPr>
+                        <a:t>85+ years</a:t>
+                      </a:r>
+                      <a:endParaRPr lang="pt-BR" sz="1100" b="0" i="0" u="none" strike="noStrike">
+                        <a:solidFill>
+                          <a:srgbClr val="000000"/>
+                        </a:solidFill>
+                        <a:effectLst/>
+                        <a:highlight>
+                          <a:srgbClr val="C0C0C0"/>
+                        </a:highlight>
+                        <a:latin typeface="Calibri" panose="020F0502020204030204" pitchFamily="34" charset="0"/>
+                      </a:endParaRPr>
+                    </a:p>
+                  </a:txBody>
+                  <a:tcPr marL="2000" marR="2000" marT="2000" marB="0" anchor="b"/>
+                </a:tc>
+                <a:tc>
+                  <a:txBody>
+                    <a:bodyPr/>
+                    <a:lstStyle/>
+                    <a:p>
+                      <a:pPr algn="r" fontAlgn="b"/>
+                      <a:r>
+                        <a:rPr lang="en-NL" sz="1100" u="none" strike="noStrike">
+                          <a:effectLst/>
+                          <a:highlight>
+                            <a:srgbClr val="C0C0C0"/>
+                          </a:highlight>
+                        </a:rPr>
+                        <a:t>1</a:t>
+                      </a:r>
+                      <a:endParaRPr lang="en-NL" sz="1100" b="0" i="0" u="none" strike="noStrike">
+                        <a:solidFill>
+                          <a:srgbClr val="000000"/>
+                        </a:solidFill>
+                        <a:effectLst/>
+                        <a:highlight>
+                          <a:srgbClr val="C0C0C0"/>
+                        </a:highlight>
+                        <a:latin typeface="Calibri" panose="020F0502020204030204" pitchFamily="34" charset="0"/>
+                      </a:endParaRPr>
+                    </a:p>
+                  </a:txBody>
+                  <a:tcPr marL="2000" marR="2000" marT="2000" marB="0" anchor="b"/>
+                </a:tc>
+                <a:tc>
+                  <a:txBody>
+                    <a:bodyPr/>
+                    <a:lstStyle/>
+                    <a:p>
+                      <a:pPr algn="r" fontAlgn="b"/>
+                      <a:r>
+                        <a:rPr lang="en-NL" sz="1100" u="none" strike="noStrike">
+                          <a:effectLst/>
+                          <a:highlight>
+                            <a:srgbClr val="C0C0C0"/>
+                          </a:highlight>
+                        </a:rPr>
+                        <a:t>1</a:t>
+                      </a:r>
+                      <a:endParaRPr lang="en-NL" sz="1100" b="0" i="0" u="none" strike="noStrike">
+                        <a:solidFill>
+                          <a:srgbClr val="000000"/>
+                        </a:solidFill>
+                        <a:effectLst/>
+                        <a:highlight>
+                          <a:srgbClr val="C0C0C0"/>
+                        </a:highlight>
+                        <a:latin typeface="Calibri" panose="020F0502020204030204" pitchFamily="34" charset="0"/>
+                      </a:endParaRPr>
+                    </a:p>
+                  </a:txBody>
+                  <a:tcPr marL="2000" marR="2000" marT="2000" marB="0" anchor="b"/>
+                </a:tc>
+                <a:tc>
+                  <a:txBody>
+                    <a:bodyPr/>
+                    <a:lstStyle/>
+                    <a:p>
+                      <a:pPr algn="r" fontAlgn="b"/>
+                      <a:r>
+                        <a:rPr lang="en-NL" sz="1100" u="none" strike="noStrike" dirty="0">
+                          <a:effectLst/>
+                          <a:highlight>
+                            <a:srgbClr val="C0C0C0"/>
+                          </a:highlight>
+                        </a:rPr>
+                        <a:t>1</a:t>
+                      </a:r>
+                      <a:endParaRPr lang="en-NL" sz="1100" b="0" i="0" u="none" strike="noStrike" dirty="0">
+                        <a:solidFill>
+                          <a:srgbClr val="000000"/>
+                        </a:solidFill>
+                        <a:effectLst/>
+                        <a:highlight>
+                          <a:srgbClr val="C0C0C0"/>
+                        </a:highlight>
+                        <a:latin typeface="Calibri" panose="020F0502020204030204" pitchFamily="34" charset="0"/>
+                      </a:endParaRPr>
+                    </a:p>
+                  </a:txBody>
+                  <a:tcPr marL="2000" marR="2000" marT="2000" marB="0" anchor="b"/>
+                </a:tc>
+                <a:extLst>
+                  <a:ext uri="{0D108BD9-81ED-4DB2-BD59-A6C34878D82A}">
+                    <a16:rowId xmlns:a16="http://schemas.microsoft.com/office/drawing/2014/main" val="3752349585"/>
+                  </a:ext>
+                </a:extLst>
+              </a:tr>
+            </a:tbl>
+          </a:graphicData>
+        </a:graphic>
+      </p:graphicFrame>
+    </p:spTree>
+    <p:extLst>
+      <p:ext uri="{BB962C8B-B14F-4D97-AF65-F5344CB8AC3E}">
+        <p14:creationId xmlns:p14="http://schemas.microsoft.com/office/powerpoint/2010/main" val="974590661"/>
+      </p:ext>
+    </p:extLst>
+  </p:cSld>
+  <p:clrMapOvr>
+    <a:masterClrMapping/>
+  </p:clrMapOvr>
+</p:sld>
+</file>
+
+<file path=ppt/slides/slide6.xml><?xml version="1.0" encoding="utf-8"?>
+<p:sld xmlns:a="http://schemas.openxmlformats.org/drawingml/2006/main" xmlns:r="http://schemas.openxmlformats.org/officeDocument/2006/relationships" xmlns:p="http://schemas.openxmlformats.org/presentationml/2006/main">
+  <p:cSld>
+    <p:spTree>
+      <p:nvGrpSpPr>
+        <p:cNvPr id="1" name=""/>
+        <p:cNvGrpSpPr/>
+        <p:nvPr/>
+      </p:nvGrpSpPr>
+      <p:grpSpPr>
+        <a:xfrm>
+          <a:off x="0" y="0"/>
+          <a:ext cx="0" cy="0"/>
+          <a:chOff x="0" y="0"/>
+          <a:chExt cx="0" cy="0"/>
+        </a:xfrm>
+      </p:grpSpPr>
+      <p:sp>
+        <p:nvSpPr>
+          <p:cNvPr id="2" name="Title 1">
+            <a:extLst>
+              <a:ext uri="{FF2B5EF4-FFF2-40B4-BE49-F238E27FC236}">
+                <a16:creationId xmlns:a16="http://schemas.microsoft.com/office/drawing/2014/main" id="{1EA3AAD5-782C-1F77-75BD-E7E3869D0762}"/>
+              </a:ext>
+            </a:extLst>
+          </p:cNvPr>
+          <p:cNvSpPr>
+            <a:spLocks noGrp="1"/>
+          </p:cNvSpPr>
+          <p:nvPr>
+            <p:ph type="title"/>
+          </p:nvPr>
+        </p:nvSpPr>
+        <p:spPr/>
+        <p:txBody>
+          <a:bodyPr/>
+          <a:lstStyle/>
+          <a:p>
+            <a:r>
+              <a:rPr lang="en-GB" dirty="0"/>
+              <a:t>DALYs model</a:t>
+            </a:r>
+            <a:endParaRPr lang="en-NL" dirty="0"/>
+          </a:p>
+        </p:txBody>
+      </p:sp>
+      <p:pic>
+        <p:nvPicPr>
+          <p:cNvPr id="5" name="Picture 4">
+            <a:extLst>
+              <a:ext uri="{FF2B5EF4-FFF2-40B4-BE49-F238E27FC236}">
+                <a16:creationId xmlns:a16="http://schemas.microsoft.com/office/drawing/2014/main" id="{A07FF595-1FE3-D3EF-5198-B71858F6C11C}"/>
+              </a:ext>
+            </a:extLst>
+          </p:cNvPr>
+          <p:cNvPicPr>
+            <a:picLocks noChangeAspect="1"/>
+          </p:cNvPicPr>
+          <p:nvPr/>
+        </p:nvPicPr>
+        <p:blipFill>
+          <a:blip r:embed="rId2"/>
+          <a:stretch>
+            <a:fillRect/>
+          </a:stretch>
+        </p:blipFill>
+        <p:spPr>
+          <a:xfrm>
+            <a:off x="838200" y="1825625"/>
+            <a:ext cx="7543800" cy="4391025"/>
+          </a:xfrm>
+          <a:prstGeom prst="rect">
+            <a:avLst/>
+          </a:prstGeom>
+        </p:spPr>
+      </p:pic>
+    </p:spTree>
+    <p:extLst>
+      <p:ext uri="{BB962C8B-B14F-4D97-AF65-F5344CB8AC3E}">
+        <p14:creationId xmlns:p14="http://schemas.microsoft.com/office/powerpoint/2010/main" val="2675250033"/>
       </p:ext>
     </p:extLst>
   </p:cSld>
